--- a/H_Talk_Project.pptx
+++ b/H_Talk_Project.pptx
@@ -8,8 +8,9 @@
     <p:sldId id="256" r:id="rId2"/>
     <p:sldId id="260" r:id="rId3"/>
     <p:sldId id="259" r:id="rId4"/>
-    <p:sldId id="257" r:id="rId5"/>
-    <p:sldId id="258" r:id="rId6"/>
+    <p:sldId id="261" r:id="rId5"/>
+    <p:sldId id="257" r:id="rId6"/>
+    <p:sldId id="258" r:id="rId7"/>
   </p:sldIdLst>
   <p:sldSz cx="9144000" cy="6858000" type="screen4x3"/>
   <p:notesSz cx="6858000" cy="9144000"/>
@@ -292,7 +293,7 @@
           <a:p>
             <a:fld id="{FB30EDBD-1C2D-4C1E-B459-B60219FAB484}" type="datetimeFigureOut">
               <a:rPr lang="ko-KR" altLang="en-US" smtClean="0"/>
-              <a:t>2018-12-02</a:t>
+              <a:t>2019-01-10</a:t>
             </a:fld>
             <a:endParaRPr lang="ko-KR" altLang="en-US"/>
           </a:p>
@@ -457,7 +458,7 @@
           <a:p>
             <a:fld id="{FB30EDBD-1C2D-4C1E-B459-B60219FAB484}" type="datetimeFigureOut">
               <a:rPr lang="ko-KR" altLang="en-US" smtClean="0"/>
-              <a:t>2018-12-02</a:t>
+              <a:t>2019-01-10</a:t>
             </a:fld>
             <a:endParaRPr lang="ko-KR" altLang="en-US"/>
           </a:p>
@@ -632,7 +633,7 @@
           <a:p>
             <a:fld id="{FB30EDBD-1C2D-4C1E-B459-B60219FAB484}" type="datetimeFigureOut">
               <a:rPr lang="ko-KR" altLang="en-US" smtClean="0"/>
-              <a:t>2018-12-02</a:t>
+              <a:t>2019-01-10</a:t>
             </a:fld>
             <a:endParaRPr lang="ko-KR" altLang="en-US"/>
           </a:p>
@@ -797,7 +798,7 @@
           <a:p>
             <a:fld id="{FB30EDBD-1C2D-4C1E-B459-B60219FAB484}" type="datetimeFigureOut">
               <a:rPr lang="ko-KR" altLang="en-US" smtClean="0"/>
-              <a:t>2018-12-02</a:t>
+              <a:t>2019-01-10</a:t>
             </a:fld>
             <a:endParaRPr lang="ko-KR" altLang="en-US"/>
           </a:p>
@@ -1038,7 +1039,7 @@
           <a:p>
             <a:fld id="{FB30EDBD-1C2D-4C1E-B459-B60219FAB484}" type="datetimeFigureOut">
               <a:rPr lang="ko-KR" altLang="en-US" smtClean="0"/>
-              <a:t>2018-12-02</a:t>
+              <a:t>2019-01-10</a:t>
             </a:fld>
             <a:endParaRPr lang="ko-KR" altLang="en-US"/>
           </a:p>
@@ -1321,7 +1322,7 @@
           <a:p>
             <a:fld id="{FB30EDBD-1C2D-4C1E-B459-B60219FAB484}" type="datetimeFigureOut">
               <a:rPr lang="ko-KR" altLang="en-US" smtClean="0"/>
-              <a:t>2018-12-02</a:t>
+              <a:t>2019-01-10</a:t>
             </a:fld>
             <a:endParaRPr lang="ko-KR" altLang="en-US"/>
           </a:p>
@@ -1738,7 +1739,7 @@
           <a:p>
             <a:fld id="{FB30EDBD-1C2D-4C1E-B459-B60219FAB484}" type="datetimeFigureOut">
               <a:rPr lang="ko-KR" altLang="en-US" smtClean="0"/>
-              <a:t>2018-12-02</a:t>
+              <a:t>2019-01-10</a:t>
             </a:fld>
             <a:endParaRPr lang="ko-KR" altLang="en-US"/>
           </a:p>
@@ -1851,7 +1852,7 @@
           <a:p>
             <a:fld id="{FB30EDBD-1C2D-4C1E-B459-B60219FAB484}" type="datetimeFigureOut">
               <a:rPr lang="ko-KR" altLang="en-US" smtClean="0"/>
-              <a:t>2018-12-02</a:t>
+              <a:t>2019-01-10</a:t>
             </a:fld>
             <a:endParaRPr lang="ko-KR" altLang="en-US"/>
           </a:p>
@@ -1941,7 +1942,7 @@
           <a:p>
             <a:fld id="{FB30EDBD-1C2D-4C1E-B459-B60219FAB484}" type="datetimeFigureOut">
               <a:rPr lang="ko-KR" altLang="en-US" smtClean="0"/>
-              <a:t>2018-12-02</a:t>
+              <a:t>2019-01-10</a:t>
             </a:fld>
             <a:endParaRPr lang="ko-KR" altLang="en-US"/>
           </a:p>
@@ -2213,7 +2214,7 @@
           <a:p>
             <a:fld id="{FB30EDBD-1C2D-4C1E-B459-B60219FAB484}" type="datetimeFigureOut">
               <a:rPr lang="ko-KR" altLang="en-US" smtClean="0"/>
-              <a:t>2018-12-02</a:t>
+              <a:t>2019-01-10</a:t>
             </a:fld>
             <a:endParaRPr lang="ko-KR" altLang="en-US"/>
           </a:p>
@@ -2461,7 +2462,7 @@
           <a:p>
             <a:fld id="{FB30EDBD-1C2D-4C1E-B459-B60219FAB484}" type="datetimeFigureOut">
               <a:rPr lang="ko-KR" altLang="en-US" smtClean="0"/>
-              <a:t>2018-12-02</a:t>
+              <a:t>2019-01-10</a:t>
             </a:fld>
             <a:endParaRPr lang="ko-KR" altLang="en-US"/>
           </a:p>
@@ -2669,7 +2670,7 @@
           <a:p>
             <a:fld id="{FB30EDBD-1C2D-4C1E-B459-B60219FAB484}" type="datetimeFigureOut">
               <a:rPr lang="ko-KR" altLang="en-US" smtClean="0"/>
-              <a:t>2018-12-02</a:t>
+              <a:t>2019-01-10</a:t>
             </a:fld>
             <a:endParaRPr lang="ko-KR" altLang="en-US"/>
           </a:p>
@@ -3779,24 +3780,18 @@
       </p:grpSpPr>
       <p:sp>
         <p:nvSpPr>
-          <p:cNvPr id="4" name="직사각형 3"/>
+          <p:cNvPr id="11" name="직사각형 10"/>
           <p:cNvSpPr/>
           <p:nvPr/>
         </p:nvSpPr>
         <p:spPr>
           <a:xfrm>
-            <a:off x="493979" y="1286690"/>
-            <a:ext cx="3816424" cy="4392488"/>
+            <a:off x="5364088" y="268861"/>
+            <a:ext cx="1368152" cy="720080"/>
           </a:xfrm>
           <a:prstGeom prst="rect">
             <a:avLst/>
           </a:prstGeom>
-          <a:solidFill>
-            <a:schemeClr val="accent6">
-              <a:lumMod val="20000"/>
-              <a:lumOff val="80000"/>
-            </a:schemeClr>
-          </a:solidFill>
         </p:spPr>
         <p:style>
           <a:lnRef idx="2">
@@ -3819,847 +3814,28 @@
           <a:lstStyle/>
           <a:p>
             <a:pPr algn="ctr"/>
-            <a:endParaRPr lang="ko-KR" altLang="en-US"/>
-          </a:p>
-        </p:txBody>
-      </p:sp>
-      <p:sp>
-        <p:nvSpPr>
-          <p:cNvPr id="5" name="직사각형 4"/>
+            <a:r>
+              <a:rPr lang="en-US" altLang="ko-KR" dirty="0" smtClean="0"/>
+              <a:t>Client </a:t>
+            </a:r>
+            <a:r>
+              <a:rPr lang="ko-KR" altLang="en-US" dirty="0" smtClean="0"/>
+              <a:t>접속</a:t>
+            </a:r>
+            <a:endParaRPr lang="ko-KR" altLang="en-US" dirty="0"/>
+          </a:p>
+        </p:txBody>
+      </p:sp>
+      <p:sp>
+        <p:nvSpPr>
+          <p:cNvPr id="13" name="직사각형 12"/>
           <p:cNvSpPr/>
           <p:nvPr/>
         </p:nvSpPr>
         <p:spPr>
           <a:xfrm>
-            <a:off x="1276498" y="2006770"/>
-            <a:ext cx="2251386" cy="923330"/>
-          </a:xfrm>
-          <a:prstGeom prst="rect">
-            <a:avLst/>
-          </a:prstGeom>
-          <a:noFill/>
-          <a:effectLst>
-            <a:glow rad="139700">
-              <a:schemeClr val="accent3">
-                <a:satMod val="175000"/>
-                <a:alpha val="40000"/>
-              </a:schemeClr>
-            </a:glow>
-          </a:effectLst>
-        </p:spPr>
-        <p:txBody>
-          <a:bodyPr wrap="none" lIns="91440" tIns="45720" rIns="91440" bIns="45720">
-            <a:spAutoFit/>
-          </a:bodyPr>
-          <a:lstStyle/>
-          <a:p>
-            <a:pPr algn="ctr"/>
-            <a:r>
-              <a:rPr lang="en-US" altLang="ko-KR" sz="5400" b="1" dirty="0">
-                <a:ln w="18000">
-                  <a:solidFill>
-                    <a:schemeClr val="accent2">
-                      <a:satMod val="140000"/>
-                    </a:schemeClr>
-                  </a:solidFill>
-                  <a:prstDash val="solid"/>
-                  <a:miter lim="800000"/>
-                </a:ln>
-                <a:solidFill>
-                  <a:schemeClr val="accent6">
-                    <a:lumMod val="75000"/>
-                  </a:schemeClr>
-                </a:solidFill>
-                <a:effectLst>
-                  <a:outerShdw blurRad="25500" dist="23000" dir="7020000" algn="tl">
-                    <a:srgbClr val="000000">
-                      <a:alpha val="50000"/>
-                    </a:srgbClr>
-                  </a:outerShdw>
-                </a:effectLst>
-              </a:rPr>
-              <a:t>H</a:t>
-            </a:r>
-            <a:r>
-              <a:rPr lang="en-US" altLang="ko-KR" sz="5400" b="1" cap="none" spc="0" dirty="0" smtClean="0">
-                <a:ln w="18000">
-                  <a:solidFill>
-                    <a:schemeClr val="accent2">
-                      <a:satMod val="140000"/>
-                    </a:schemeClr>
-                  </a:solidFill>
-                  <a:prstDash val="solid"/>
-                  <a:miter lim="800000"/>
-                </a:ln>
-                <a:solidFill>
-                  <a:schemeClr val="accent6">
-                    <a:lumMod val="75000"/>
-                  </a:schemeClr>
-                </a:solidFill>
-                <a:effectLst>
-                  <a:outerShdw blurRad="25500" dist="23000" dir="7020000" algn="tl">
-                    <a:srgbClr val="000000">
-                      <a:alpha val="50000"/>
-                    </a:srgbClr>
-                  </a:outerShdw>
-                </a:effectLst>
-              </a:rPr>
-              <a:t> Talk</a:t>
-            </a:r>
-            <a:endParaRPr lang="en-US" altLang="ko-KR" sz="5400" b="1" cap="none" spc="0" dirty="0">
-              <a:ln w="18000">
-                <a:solidFill>
-                  <a:schemeClr val="accent2">
-                    <a:satMod val="140000"/>
-                  </a:schemeClr>
-                </a:solidFill>
-                <a:prstDash val="solid"/>
-                <a:miter lim="800000"/>
-              </a:ln>
-              <a:solidFill>
-                <a:schemeClr val="accent6">
-                  <a:lumMod val="75000"/>
-                </a:schemeClr>
-              </a:solidFill>
-              <a:effectLst>
-                <a:outerShdw blurRad="25500" dist="23000" dir="7020000" algn="tl">
-                  <a:srgbClr val="000000">
-                    <a:alpha val="50000"/>
-                  </a:srgbClr>
-                </a:outerShdw>
-              </a:effectLst>
-            </a:endParaRPr>
-          </a:p>
-        </p:txBody>
-      </p:sp>
-      <p:sp>
-        <p:nvSpPr>
-          <p:cNvPr id="2" name="직사각형 1"/>
-          <p:cNvSpPr/>
-          <p:nvPr/>
-        </p:nvSpPr>
-        <p:spPr>
-          <a:xfrm>
-            <a:off x="1331640" y="3266910"/>
-            <a:ext cx="2196244" cy="306106"/>
-          </a:xfrm>
-          <a:prstGeom prst="rect">
-            <a:avLst/>
-          </a:prstGeom>
-        </p:spPr>
-        <p:style>
-          <a:lnRef idx="2">
-            <a:schemeClr val="accent6"/>
-          </a:lnRef>
-          <a:fillRef idx="1">
-            <a:schemeClr val="lt1"/>
-          </a:fillRef>
-          <a:effectRef idx="0">
-            <a:schemeClr val="accent6"/>
-          </a:effectRef>
-          <a:fontRef idx="minor">
-            <a:schemeClr val="dk1"/>
-          </a:fontRef>
-        </p:style>
-        <p:txBody>
-          <a:bodyPr rtlCol="0" anchor="ctr"/>
-          <a:lstStyle/>
-          <a:p>
-            <a:pPr algn="ctr"/>
-            <a:endParaRPr lang="ko-KR" altLang="en-US"/>
-          </a:p>
-        </p:txBody>
-      </p:sp>
-      <p:sp>
-        <p:nvSpPr>
-          <p:cNvPr id="6" name="직사각형 5"/>
-          <p:cNvSpPr/>
-          <p:nvPr/>
-        </p:nvSpPr>
-        <p:spPr>
-          <a:xfrm>
-            <a:off x="1331640" y="3573016"/>
-            <a:ext cx="2196244" cy="306106"/>
-          </a:xfrm>
-          <a:prstGeom prst="rect">
-            <a:avLst/>
-          </a:prstGeom>
-        </p:spPr>
-        <p:style>
-          <a:lnRef idx="2">
-            <a:schemeClr val="accent6"/>
-          </a:lnRef>
-          <a:fillRef idx="1">
-            <a:schemeClr val="lt1"/>
-          </a:fillRef>
-          <a:effectRef idx="0">
-            <a:schemeClr val="accent6"/>
-          </a:effectRef>
-          <a:fontRef idx="minor">
-            <a:schemeClr val="dk1"/>
-          </a:fontRef>
-        </p:style>
-        <p:txBody>
-          <a:bodyPr rtlCol="0" anchor="ctr"/>
-          <a:lstStyle/>
-          <a:p>
-            <a:pPr algn="ctr"/>
-            <a:endParaRPr lang="ko-KR" altLang="en-US"/>
-          </a:p>
-        </p:txBody>
-      </p:sp>
-      <p:sp>
-        <p:nvSpPr>
-          <p:cNvPr id="3" name="TextBox 2"/>
-          <p:cNvSpPr txBox="1"/>
-          <p:nvPr/>
-        </p:nvSpPr>
-        <p:spPr>
-          <a:xfrm>
-            <a:off x="1763688" y="4636493"/>
-            <a:ext cx="1368152" cy="276999"/>
-          </a:xfrm>
-          <a:prstGeom prst="rect">
-            <a:avLst/>
-          </a:prstGeom>
-          <a:noFill/>
-        </p:spPr>
-        <p:txBody>
-          <a:bodyPr wrap="square" rtlCol="0">
-            <a:spAutoFit/>
-          </a:bodyPr>
-          <a:lstStyle/>
-          <a:p>
-            <a:pPr algn="ctr"/>
-            <a:r>
-              <a:rPr lang="ko-KR" altLang="en-US" sz="1200" dirty="0" smtClean="0">
-                <a:ln w="10160">
-                  <a:solidFill>
-                    <a:schemeClr val="accent1"/>
-                  </a:solidFill>
-                  <a:prstDash val="solid"/>
-                </a:ln>
-                <a:solidFill>
-                  <a:srgbClr val="FFFFFF"/>
-                </a:solidFill>
-                <a:effectLst>
-                  <a:outerShdw blurRad="38100" dist="32000" dir="5400000" algn="tl">
-                    <a:srgbClr val="000000">
-                      <a:alpha val="30000"/>
-                    </a:srgbClr>
-                  </a:outerShdw>
-                </a:effectLst>
-              </a:rPr>
-              <a:t>회 원 가 입</a:t>
-            </a:r>
-            <a:endParaRPr lang="ko-KR" altLang="en-US" sz="1200" dirty="0">
-              <a:ln w="10160">
-                <a:solidFill>
-                  <a:schemeClr val="accent1"/>
-                </a:solidFill>
-                <a:prstDash val="solid"/>
-              </a:ln>
-              <a:solidFill>
-                <a:srgbClr val="FFFFFF"/>
-              </a:solidFill>
-              <a:effectLst>
-                <a:outerShdw blurRad="38100" dist="32000" dir="5400000" algn="tl">
-                  <a:srgbClr val="000000">
-                    <a:alpha val="30000"/>
-                  </a:srgbClr>
-                </a:outerShdw>
-              </a:effectLst>
-            </a:endParaRPr>
-          </a:p>
-        </p:txBody>
-      </p:sp>
-      <p:sp>
-        <p:nvSpPr>
-          <p:cNvPr id="7" name="TextBox 6"/>
-          <p:cNvSpPr txBox="1"/>
-          <p:nvPr/>
-        </p:nvSpPr>
-        <p:spPr>
-          <a:xfrm>
-            <a:off x="2942251" y="5395334"/>
-            <a:ext cx="1368152" cy="230832"/>
-          </a:xfrm>
-          <a:prstGeom prst="rect">
-            <a:avLst/>
-          </a:prstGeom>
-          <a:noFill/>
-        </p:spPr>
-        <p:txBody>
-          <a:bodyPr wrap="square" rtlCol="0">
-            <a:spAutoFit/>
-          </a:bodyPr>
-          <a:lstStyle/>
-          <a:p>
-            <a:pPr algn="ctr"/>
-            <a:r>
-              <a:rPr lang="ko-KR" altLang="en-US" sz="900" dirty="0" smtClean="0">
-                <a:ln w="10160">
-                  <a:solidFill>
-                    <a:schemeClr val="accent1"/>
-                  </a:solidFill>
-                  <a:prstDash val="solid"/>
-                </a:ln>
-                <a:solidFill>
-                  <a:schemeClr val="accent3">
-                    <a:lumMod val="75000"/>
-                  </a:schemeClr>
-                </a:solidFill>
-                <a:effectLst>
-                  <a:outerShdw blurRad="38100" dist="32000" dir="5400000" algn="tl">
-                    <a:srgbClr val="000000">
-                      <a:alpha val="30000"/>
-                    </a:srgbClr>
-                  </a:outerShdw>
-                </a:effectLst>
-              </a:rPr>
-              <a:t>개발자 정보</a:t>
-            </a:r>
-            <a:endParaRPr lang="ko-KR" altLang="en-US" sz="900" dirty="0">
-              <a:ln w="10160">
-                <a:solidFill>
-                  <a:schemeClr val="accent1"/>
-                </a:solidFill>
-                <a:prstDash val="solid"/>
-              </a:ln>
-              <a:solidFill>
-                <a:schemeClr val="accent3">
-                  <a:lumMod val="75000"/>
-                </a:schemeClr>
-              </a:solidFill>
-              <a:effectLst>
-                <a:outerShdw blurRad="38100" dist="32000" dir="5400000" algn="tl">
-                  <a:srgbClr val="000000">
-                    <a:alpha val="30000"/>
-                  </a:srgbClr>
-                </a:outerShdw>
-              </a:effectLst>
-            </a:endParaRPr>
-          </a:p>
-        </p:txBody>
-      </p:sp>
-      <p:sp>
-        <p:nvSpPr>
-          <p:cNvPr id="8" name="TextBox 7"/>
-          <p:cNvSpPr txBox="1"/>
-          <p:nvPr/>
-        </p:nvSpPr>
-        <p:spPr>
-          <a:xfrm>
-            <a:off x="5076056" y="961844"/>
-            <a:ext cx="3528392" cy="4154984"/>
-          </a:xfrm>
-          <a:prstGeom prst="rect">
-            <a:avLst/>
-          </a:prstGeom>
-          <a:noFill/>
-        </p:spPr>
-        <p:txBody>
-          <a:bodyPr wrap="square" rtlCol="0">
-            <a:spAutoFit/>
-          </a:bodyPr>
-          <a:lstStyle/>
-          <a:p>
-            <a:r>
-              <a:rPr lang="en-US" altLang="ko-KR" sz="1100" dirty="0" smtClean="0"/>
-              <a:t>1. Client</a:t>
-            </a:r>
-            <a:r>
-              <a:rPr lang="ko-KR" altLang="en-US" sz="1100" dirty="0" smtClean="0"/>
-              <a:t>는 </a:t>
-            </a:r>
-            <a:r>
-              <a:rPr lang="en-US" altLang="ko-KR" sz="1100" dirty="0" smtClean="0"/>
-              <a:t>IP</a:t>
-            </a:r>
-            <a:r>
-              <a:rPr lang="ko-KR" altLang="en-US" sz="1100" dirty="0" smtClean="0"/>
-              <a:t>와 </a:t>
-            </a:r>
-            <a:r>
-              <a:rPr lang="en-US" altLang="ko-KR" sz="1100" dirty="0" smtClean="0"/>
-              <a:t>port</a:t>
-            </a:r>
-            <a:r>
-              <a:rPr lang="ko-KR" altLang="en-US" sz="1100" dirty="0" smtClean="0"/>
-              <a:t>번호를 </a:t>
-            </a:r>
-            <a:r>
-              <a:rPr lang="en-US" altLang="ko-KR" sz="1100" dirty="0" smtClean="0"/>
-              <a:t>text</a:t>
-            </a:r>
-            <a:r>
-              <a:rPr lang="ko-KR" altLang="en-US" sz="1100" dirty="0" smtClean="0"/>
-              <a:t>를 통해 읽는다</a:t>
-            </a:r>
-            <a:r>
-              <a:rPr lang="en-US" altLang="ko-KR" sz="1100" dirty="0" smtClean="0"/>
-              <a:t>.</a:t>
-            </a:r>
-          </a:p>
-          <a:p>
-            <a:endParaRPr lang="en-US" altLang="ko-KR" sz="1100" dirty="0" smtClean="0"/>
-          </a:p>
-          <a:p>
-            <a:endParaRPr lang="en-US" altLang="ko-KR" sz="1100" dirty="0"/>
-          </a:p>
-          <a:p>
-            <a:r>
-              <a:rPr lang="en-US" altLang="ko-KR" sz="1100" dirty="0" smtClean="0"/>
-              <a:t>2. ID, Password </a:t>
-            </a:r>
-            <a:r>
-              <a:rPr lang="ko-KR" altLang="en-US" sz="1100" dirty="0" err="1" smtClean="0"/>
-              <a:t>둘다</a:t>
-            </a:r>
-            <a:r>
-              <a:rPr lang="ko-KR" altLang="en-US" sz="1100" dirty="0" smtClean="0"/>
-              <a:t> 입력</a:t>
-            </a:r>
-            <a:r>
-              <a:rPr lang="en-US" altLang="ko-KR" sz="1100" dirty="0"/>
-              <a:t> </a:t>
-            </a:r>
-            <a:r>
-              <a:rPr lang="ko-KR" altLang="en-US" sz="1100" dirty="0" smtClean="0"/>
-              <a:t>후 </a:t>
-            </a:r>
-            <a:r>
-              <a:rPr lang="en-US" altLang="ko-KR" sz="1100" dirty="0" smtClean="0"/>
-              <a:t>Login or Enter </a:t>
-            </a:r>
-            <a:r>
-              <a:rPr lang="ko-KR" altLang="en-US" sz="1100" dirty="0" err="1" smtClean="0"/>
-              <a:t>입력시</a:t>
-            </a:r>
-            <a:r>
-              <a:rPr lang="ko-KR" altLang="en-US" sz="1100" dirty="0" smtClean="0"/>
-              <a:t> 서버에 </a:t>
-            </a:r>
-            <a:r>
-              <a:rPr lang="en-US" altLang="ko-KR" sz="1100" dirty="0" smtClean="0"/>
-              <a:t>Login </a:t>
-            </a:r>
-            <a:r>
-              <a:rPr lang="ko-KR" altLang="en-US" sz="1100" dirty="0" err="1" smtClean="0"/>
-              <a:t>패킷</a:t>
-            </a:r>
-            <a:r>
-              <a:rPr lang="ko-KR" altLang="en-US" sz="1100" dirty="0" smtClean="0"/>
-              <a:t> 전송</a:t>
-            </a:r>
-            <a:r>
-              <a:rPr lang="en-US" altLang="ko-KR" sz="1100" dirty="0" smtClean="0"/>
-              <a:t>, (password</a:t>
-            </a:r>
-            <a:r>
-              <a:rPr lang="ko-KR" altLang="en-US" sz="1100" dirty="0" smtClean="0"/>
-              <a:t>는 </a:t>
-            </a:r>
-            <a:r>
-              <a:rPr lang="en-US" altLang="ko-KR" sz="1100" dirty="0" smtClean="0"/>
-              <a:t>*</a:t>
-            </a:r>
-            <a:r>
-              <a:rPr lang="ko-KR" altLang="en-US" sz="1100" dirty="0" smtClean="0"/>
-              <a:t>로 표시</a:t>
-            </a:r>
-            <a:r>
-              <a:rPr lang="en-US" altLang="ko-KR" sz="1100" dirty="0"/>
-              <a:t>)</a:t>
-            </a:r>
-            <a:endParaRPr lang="en-US" altLang="ko-KR" sz="1100" dirty="0" smtClean="0"/>
-          </a:p>
-          <a:p>
-            <a:endParaRPr lang="en-US" altLang="ko-KR" sz="1100" dirty="0" smtClean="0"/>
-          </a:p>
-          <a:p>
-            <a:r>
-              <a:rPr lang="en-US" altLang="ko-KR" sz="1100" dirty="0" smtClean="0"/>
-              <a:t>3.</a:t>
-            </a:r>
-            <a:r>
-              <a:rPr lang="en-US" altLang="ko-KR" sz="1100" dirty="0"/>
-              <a:t> </a:t>
-            </a:r>
-            <a:r>
-              <a:rPr lang="ko-KR" altLang="en-US" sz="1100" dirty="0" smtClean="0"/>
-              <a:t>서버는 해당 정보를 </a:t>
-            </a:r>
-            <a:r>
-              <a:rPr lang="en-US" altLang="ko-KR" sz="1100" dirty="0" smtClean="0"/>
-              <a:t>DB</a:t>
-            </a:r>
-            <a:r>
-              <a:rPr lang="ko-KR" altLang="en-US" sz="1100" dirty="0" smtClean="0"/>
-              <a:t>를 통해</a:t>
-            </a:r>
-            <a:r>
-              <a:rPr lang="en-US" altLang="ko-KR" sz="1100" dirty="0" smtClean="0"/>
-              <a:t>(</a:t>
-            </a:r>
-            <a:r>
-              <a:rPr lang="ko-KR" altLang="en-US" sz="1100" dirty="0" smtClean="0"/>
-              <a:t>초기 단계에서는 </a:t>
-            </a:r>
-            <a:r>
-              <a:rPr lang="en-US" altLang="ko-KR" sz="1100" dirty="0" smtClean="0"/>
-              <a:t>text </a:t>
-            </a:r>
-            <a:r>
-              <a:rPr lang="ko-KR" altLang="en-US" sz="1100" dirty="0" smtClean="0"/>
-              <a:t>파일을 통해</a:t>
-            </a:r>
-            <a:r>
-              <a:rPr lang="en-US" altLang="ko-KR" sz="1100" dirty="0" smtClean="0"/>
-              <a:t>)</a:t>
-            </a:r>
-            <a:r>
-              <a:rPr lang="ko-KR" altLang="en-US" sz="1100" dirty="0" smtClean="0"/>
-              <a:t> </a:t>
-            </a:r>
-            <a:r>
-              <a:rPr lang="ko-KR" altLang="en-US" sz="1100" dirty="0" err="1" smtClean="0"/>
-              <a:t>읽어들이고</a:t>
-            </a:r>
-            <a:r>
-              <a:rPr lang="en-US" altLang="ko-KR" sz="1100" dirty="0"/>
-              <a:t> </a:t>
-            </a:r>
-            <a:r>
-              <a:rPr lang="ko-KR" altLang="en-US" sz="1100" dirty="0" smtClean="0"/>
-              <a:t>일치하는 </a:t>
-            </a:r>
-            <a:endParaRPr lang="en-US" altLang="ko-KR" sz="1100" dirty="0" smtClean="0"/>
-          </a:p>
-          <a:p>
-            <a:r>
-              <a:rPr lang="ko-KR" altLang="en-US" sz="1100" dirty="0" smtClean="0"/>
-              <a:t>정보가 </a:t>
-            </a:r>
-            <a:r>
-              <a:rPr lang="ko-KR" altLang="en-US" sz="1100" dirty="0" err="1" smtClean="0"/>
-              <a:t>없을시에</a:t>
-            </a:r>
-            <a:r>
-              <a:rPr lang="ko-KR" altLang="en-US" sz="1100" dirty="0" smtClean="0"/>
-              <a:t> </a:t>
-            </a:r>
-            <a:r>
-              <a:rPr lang="en-US" altLang="ko-KR" sz="1100" dirty="0" smtClean="0"/>
-              <a:t>No Packet </a:t>
-            </a:r>
-            <a:r>
-              <a:rPr lang="ko-KR" altLang="en-US" sz="1100" dirty="0" smtClean="0"/>
-              <a:t>전송</a:t>
-            </a:r>
-            <a:endParaRPr lang="en-US" altLang="ko-KR" sz="1100" dirty="0" smtClean="0"/>
-          </a:p>
-          <a:p>
-            <a:r>
-              <a:rPr lang="en-US" altLang="ko-KR" sz="1100" dirty="0" smtClean="0"/>
-              <a:t>Client</a:t>
-            </a:r>
-            <a:r>
-              <a:rPr lang="ko-KR" altLang="en-US" sz="1100" dirty="0" smtClean="0"/>
-              <a:t>는 </a:t>
-            </a:r>
-            <a:r>
-              <a:rPr lang="en-US" altLang="ko-KR" sz="1100" dirty="0" smtClean="0"/>
-              <a:t>pop up</a:t>
-            </a:r>
-            <a:r>
-              <a:rPr lang="ko-KR" altLang="en-US" sz="1100" dirty="0" smtClean="0"/>
-              <a:t>을 띄운다</a:t>
-            </a:r>
-            <a:r>
-              <a:rPr lang="en-US" altLang="ko-KR" sz="1100" dirty="0" smtClean="0"/>
-              <a:t>.</a:t>
-            </a:r>
-          </a:p>
-          <a:p>
-            <a:endParaRPr lang="en-US" altLang="ko-KR" sz="1100" dirty="0"/>
-          </a:p>
-          <a:p>
-            <a:r>
-              <a:rPr lang="en-US" altLang="ko-KR" sz="1100" dirty="0" smtClean="0"/>
-              <a:t>4. ID / </a:t>
-            </a:r>
-            <a:r>
-              <a:rPr lang="ko-KR" altLang="en-US" sz="1100" dirty="0" smtClean="0"/>
-              <a:t>비밀번호 찾기를 누르면 창을 띄운다</a:t>
-            </a:r>
-            <a:r>
-              <a:rPr lang="en-US" altLang="ko-KR" sz="1100" dirty="0" smtClean="0"/>
-              <a:t>. </a:t>
-            </a:r>
-          </a:p>
-          <a:p>
-            <a:r>
-              <a:rPr lang="en-US" altLang="ko-KR" sz="1100" dirty="0"/>
-              <a:t> </a:t>
-            </a:r>
-            <a:r>
-              <a:rPr lang="en-US" altLang="ko-KR" sz="1100" dirty="0" smtClean="0"/>
-              <a:t>  </a:t>
-            </a:r>
-            <a:r>
-              <a:rPr lang="ko-KR" altLang="en-US" sz="1100" dirty="0" err="1" smtClean="0"/>
-              <a:t>회원가입시</a:t>
-            </a:r>
-            <a:r>
-              <a:rPr lang="ko-KR" altLang="en-US" sz="1100" dirty="0" smtClean="0"/>
-              <a:t> 입력했던 </a:t>
-            </a:r>
-            <a:r>
-              <a:rPr lang="ko-KR" altLang="en-US" sz="1100" dirty="0" err="1" smtClean="0"/>
-              <a:t>내용중</a:t>
-            </a:r>
-            <a:r>
-              <a:rPr lang="ko-KR" altLang="en-US" sz="1100" dirty="0" smtClean="0"/>
-              <a:t> 일부를 입력하게 유도</a:t>
-            </a:r>
-            <a:endParaRPr lang="en-US" altLang="ko-KR" sz="1100" dirty="0" smtClean="0"/>
-          </a:p>
-          <a:p>
-            <a:r>
-              <a:rPr lang="en-US" altLang="ko-KR" sz="1100" dirty="0"/>
-              <a:t> </a:t>
-            </a:r>
-            <a:r>
-              <a:rPr lang="en-US" altLang="ko-KR" sz="1100" dirty="0" smtClean="0"/>
-              <a:t>  text or DB</a:t>
-            </a:r>
-            <a:r>
-              <a:rPr lang="ko-KR" altLang="en-US" sz="1100" dirty="0" smtClean="0"/>
-              <a:t>를 통해서 </a:t>
-            </a:r>
-            <a:r>
-              <a:rPr lang="ko-KR" altLang="en-US" sz="1100" dirty="0" err="1" smtClean="0"/>
-              <a:t>서칭</a:t>
-            </a:r>
-            <a:r>
-              <a:rPr lang="ko-KR" altLang="en-US" sz="1100" dirty="0" smtClean="0"/>
-              <a:t> 후 입력 </a:t>
-            </a:r>
-            <a:r>
-              <a:rPr lang="ko-KR" altLang="en-US" sz="1100" dirty="0" err="1" smtClean="0"/>
-              <a:t>일치시</a:t>
-            </a:r>
-            <a:r>
-              <a:rPr lang="ko-KR" altLang="en-US" sz="1100" dirty="0" smtClean="0"/>
-              <a:t> 힌트를 </a:t>
-            </a:r>
-            <a:endParaRPr lang="en-US" altLang="ko-KR" sz="1100" dirty="0" smtClean="0"/>
-          </a:p>
-          <a:p>
-            <a:r>
-              <a:rPr lang="en-US" altLang="ko-KR" sz="1100" dirty="0"/>
-              <a:t> </a:t>
-            </a:r>
-            <a:r>
-              <a:rPr lang="en-US" altLang="ko-KR" sz="1100" dirty="0" smtClean="0"/>
-              <a:t>  </a:t>
-            </a:r>
-            <a:r>
-              <a:rPr lang="ko-KR" altLang="en-US" sz="1100" dirty="0" smtClean="0"/>
-              <a:t>주는 것으로</a:t>
-            </a:r>
-            <a:r>
-              <a:rPr lang="en-US" altLang="ko-KR" sz="1100" dirty="0" smtClean="0"/>
-              <a:t>.?</a:t>
-            </a:r>
-          </a:p>
-          <a:p>
-            <a:endParaRPr lang="en-US" altLang="ko-KR" sz="1100" dirty="0"/>
-          </a:p>
-          <a:p>
-            <a:r>
-              <a:rPr lang="en-US" altLang="ko-KR" sz="1100" dirty="0" smtClean="0"/>
-              <a:t>5. </a:t>
-            </a:r>
-            <a:r>
-              <a:rPr lang="ko-KR" altLang="en-US" sz="1100" dirty="0" smtClean="0"/>
-              <a:t>회원 </a:t>
-            </a:r>
-            <a:r>
-              <a:rPr lang="ko-KR" altLang="en-US" sz="1100" dirty="0" err="1" smtClean="0"/>
-              <a:t>가입시</a:t>
-            </a:r>
-            <a:r>
-              <a:rPr lang="ko-KR" altLang="en-US" sz="1100" dirty="0" smtClean="0"/>
-              <a:t> 새로운 창 활성화</a:t>
-            </a:r>
-            <a:r>
-              <a:rPr lang="en-US" altLang="ko-KR" sz="1100" dirty="0" smtClean="0"/>
-              <a:t>, </a:t>
-            </a:r>
-            <a:r>
-              <a:rPr lang="ko-KR" altLang="en-US" sz="1100" dirty="0" smtClean="0"/>
-              <a:t>이름</a:t>
-            </a:r>
-            <a:r>
-              <a:rPr lang="en-US" altLang="ko-KR" sz="1100" dirty="0" smtClean="0"/>
-              <a:t>, </a:t>
-            </a:r>
-            <a:r>
-              <a:rPr lang="ko-KR" altLang="en-US" sz="1100" dirty="0" smtClean="0"/>
-              <a:t>핸드폰번호</a:t>
-            </a:r>
-            <a:endParaRPr lang="en-US" altLang="ko-KR" sz="1100" dirty="0" smtClean="0"/>
-          </a:p>
-          <a:p>
-            <a:r>
-              <a:rPr lang="en-US" altLang="ko-KR" sz="1100" dirty="0"/>
-              <a:t> </a:t>
-            </a:r>
-            <a:r>
-              <a:rPr lang="en-US" altLang="ko-KR" sz="1100" dirty="0" smtClean="0"/>
-              <a:t>  </a:t>
-            </a:r>
-            <a:r>
-              <a:rPr lang="ko-KR" altLang="en-US" sz="1100" dirty="0" err="1" smtClean="0"/>
-              <a:t>이메일</a:t>
-            </a:r>
-            <a:r>
-              <a:rPr lang="en-US" altLang="ko-KR" sz="1100" dirty="0" smtClean="0"/>
-              <a:t>, id pass, 2pass </a:t>
-            </a:r>
-            <a:r>
-              <a:rPr lang="ko-KR" altLang="en-US" sz="1100" dirty="0" smtClean="0"/>
-              <a:t>를 받고 확인을 누르면</a:t>
-            </a:r>
-            <a:endParaRPr lang="en-US" altLang="ko-KR" sz="1100" dirty="0" smtClean="0"/>
-          </a:p>
-          <a:p>
-            <a:r>
-              <a:rPr lang="en-US" altLang="ko-KR" sz="1100" dirty="0"/>
-              <a:t> </a:t>
-            </a:r>
-            <a:r>
-              <a:rPr lang="en-US" altLang="ko-KR" sz="1100" dirty="0" smtClean="0"/>
-              <a:t> </a:t>
-            </a:r>
-            <a:r>
-              <a:rPr lang="ko-KR" altLang="en-US" sz="1100" dirty="0" smtClean="0"/>
-              <a:t>서버에 </a:t>
-            </a:r>
-            <a:r>
-              <a:rPr lang="ko-KR" altLang="en-US" sz="1100" dirty="0" err="1" smtClean="0"/>
-              <a:t>패킷</a:t>
-            </a:r>
-            <a:r>
-              <a:rPr lang="ko-KR" altLang="en-US" sz="1100" dirty="0" smtClean="0"/>
-              <a:t> 전송 및 </a:t>
-            </a:r>
-            <a:r>
-              <a:rPr lang="en-US" altLang="ko-KR" sz="1100" dirty="0" smtClean="0"/>
-              <a:t>DB or text</a:t>
-            </a:r>
-            <a:r>
-              <a:rPr lang="ko-KR" altLang="en-US" sz="1100" dirty="0" smtClean="0"/>
-              <a:t>에 저장</a:t>
-            </a:r>
-            <a:endParaRPr lang="en-US" altLang="ko-KR" sz="1100" dirty="0" smtClean="0"/>
-          </a:p>
-          <a:p>
-            <a:endParaRPr lang="en-US" altLang="ko-KR" sz="1100" dirty="0"/>
-          </a:p>
-          <a:p>
-            <a:r>
-              <a:rPr lang="en-US" altLang="ko-KR" sz="1100" dirty="0" smtClean="0"/>
-              <a:t>6. </a:t>
-            </a:r>
-            <a:r>
-              <a:rPr lang="ko-KR" altLang="en-US" sz="1100" dirty="0" smtClean="0"/>
-              <a:t>개발자 정보를 누르면 내 이름과 </a:t>
-            </a:r>
-            <a:r>
-              <a:rPr lang="en-US" altLang="ko-KR" sz="1100" dirty="0" smtClean="0"/>
-              <a:t>e-mail</a:t>
-            </a:r>
-            <a:r>
-              <a:rPr lang="ko-KR" altLang="en-US" sz="1100" dirty="0" smtClean="0"/>
-              <a:t>주소</a:t>
-            </a:r>
-            <a:endParaRPr lang="en-US" altLang="ko-KR" sz="1100" dirty="0" smtClean="0"/>
-          </a:p>
-          <a:p>
-            <a:r>
-              <a:rPr lang="en-US" altLang="ko-KR" sz="1100" dirty="0"/>
-              <a:t> </a:t>
-            </a:r>
-            <a:r>
-              <a:rPr lang="en-US" altLang="ko-KR" sz="1100" dirty="0" smtClean="0"/>
-              <a:t>  </a:t>
-            </a:r>
-            <a:r>
-              <a:rPr lang="ko-KR" altLang="en-US" sz="1100" dirty="0" smtClean="0"/>
-              <a:t>팝업을 띄운다</a:t>
-            </a:r>
-            <a:r>
-              <a:rPr lang="en-US" altLang="ko-KR" sz="1100" dirty="0" smtClean="0"/>
-              <a:t>. </a:t>
-            </a:r>
-            <a:r>
-              <a:rPr lang="ko-KR" altLang="en-US" sz="1100" dirty="0" smtClean="0"/>
-              <a:t>확인</a:t>
-            </a:r>
-            <a:r>
-              <a:rPr lang="en-US" altLang="ko-KR" sz="1100" dirty="0" smtClean="0"/>
-              <a:t>, </a:t>
-            </a:r>
-            <a:r>
-              <a:rPr lang="ko-KR" altLang="en-US" sz="1100" dirty="0" smtClean="0"/>
-              <a:t>버튼만 존재</a:t>
-            </a:r>
-            <a:r>
-              <a:rPr lang="en-US" altLang="ko-KR" sz="1100" dirty="0" smtClean="0"/>
-              <a:t>. </a:t>
-            </a:r>
-            <a:r>
-              <a:rPr lang="ko-KR" altLang="en-US" sz="1100" dirty="0" smtClean="0"/>
-              <a:t>확인 누르면     </a:t>
-            </a:r>
-            <a:endParaRPr lang="en-US" altLang="ko-KR" sz="1100" dirty="0" smtClean="0"/>
-          </a:p>
-          <a:p>
-            <a:r>
-              <a:rPr lang="en-US" altLang="ko-KR" sz="1100" dirty="0"/>
-              <a:t> </a:t>
-            </a:r>
-            <a:r>
-              <a:rPr lang="en-US" altLang="ko-KR" sz="1100" dirty="0" smtClean="0"/>
-              <a:t>  </a:t>
-            </a:r>
-            <a:r>
-              <a:rPr lang="ko-KR" altLang="en-US" sz="1100" dirty="0" smtClean="0"/>
-              <a:t>팝업을 내린다</a:t>
-            </a:r>
-            <a:r>
-              <a:rPr lang="en-US" altLang="ko-KR" sz="1100" dirty="0" smtClean="0"/>
-              <a:t>.</a:t>
-            </a:r>
-          </a:p>
-          <a:p>
-            <a:endParaRPr lang="ko-KR" altLang="en-US" sz="1100" dirty="0"/>
-          </a:p>
-        </p:txBody>
-      </p:sp>
-      <p:sp>
-        <p:nvSpPr>
-          <p:cNvPr id="9" name="직사각형 8"/>
-          <p:cNvSpPr/>
-          <p:nvPr/>
-        </p:nvSpPr>
-        <p:spPr>
-          <a:xfrm>
-            <a:off x="1547664" y="4005064"/>
-            <a:ext cx="1800200" cy="360040"/>
+            <a:off x="2225063" y="268861"/>
+            <a:ext cx="1368152" cy="720080"/>
           </a:xfrm>
           <a:prstGeom prst="rect">
             <a:avLst/>
@@ -4688,21 +3864,440 @@
             <a:pPr algn="ctr"/>
             <a:r>
               <a:rPr lang="en-US" altLang="ko-KR" dirty="0" smtClean="0"/>
-              <a:t>LOG IN</a:t>
-            </a:r>
-          </a:p>
-        </p:txBody>
-      </p:sp>
-      <p:sp>
-        <p:nvSpPr>
-          <p:cNvPr id="10" name="TextBox 9"/>
+              <a:t>Server Listen</a:t>
+            </a:r>
+            <a:endParaRPr lang="ko-KR" altLang="en-US" dirty="0"/>
+          </a:p>
+        </p:txBody>
+      </p:sp>
+      <p:sp>
+        <p:nvSpPr>
+          <p:cNvPr id="16" name="직사각형 15"/>
+          <p:cNvSpPr/>
+          <p:nvPr/>
+        </p:nvSpPr>
+        <p:spPr>
+          <a:xfrm>
+            <a:off x="5364088" y="1844824"/>
+            <a:ext cx="1368152" cy="720080"/>
+          </a:xfrm>
+          <a:prstGeom prst="rect">
+            <a:avLst/>
+          </a:prstGeom>
+        </p:spPr>
+        <p:style>
+          <a:lnRef idx="2">
+            <a:schemeClr val="accent1">
+              <a:shade val="50000"/>
+            </a:schemeClr>
+          </a:lnRef>
+          <a:fillRef idx="1">
+            <a:schemeClr val="accent1"/>
+          </a:fillRef>
+          <a:effectRef idx="0">
+            <a:schemeClr val="accent1"/>
+          </a:effectRef>
+          <a:fontRef idx="minor">
+            <a:schemeClr val="lt1"/>
+          </a:fontRef>
+        </p:style>
+        <p:txBody>
+          <a:bodyPr rtlCol="0" anchor="ctr"/>
+          <a:lstStyle/>
+          <a:p>
+            <a:pPr algn="ctr"/>
+            <a:r>
+              <a:rPr lang="en-US" altLang="ko-KR" dirty="0" smtClean="0"/>
+              <a:t>Connect</a:t>
+            </a:r>
+            <a:endParaRPr lang="ko-KR" altLang="en-US" dirty="0"/>
+          </a:p>
+        </p:txBody>
+      </p:sp>
+      <p:sp>
+        <p:nvSpPr>
+          <p:cNvPr id="17" name="직사각형 16"/>
+          <p:cNvSpPr/>
+          <p:nvPr/>
+        </p:nvSpPr>
+        <p:spPr>
+          <a:xfrm>
+            <a:off x="2225063" y="1941899"/>
+            <a:ext cx="1368152" cy="720080"/>
+          </a:xfrm>
+          <a:prstGeom prst="rect">
+            <a:avLst/>
+          </a:prstGeom>
+        </p:spPr>
+        <p:style>
+          <a:lnRef idx="2">
+            <a:schemeClr val="accent1">
+              <a:shade val="50000"/>
+            </a:schemeClr>
+          </a:lnRef>
+          <a:fillRef idx="1">
+            <a:schemeClr val="accent1"/>
+          </a:fillRef>
+          <a:effectRef idx="0">
+            <a:schemeClr val="accent1"/>
+          </a:effectRef>
+          <a:fontRef idx="minor">
+            <a:schemeClr val="lt1"/>
+          </a:fontRef>
+        </p:style>
+        <p:txBody>
+          <a:bodyPr rtlCol="0" anchor="ctr"/>
+          <a:lstStyle/>
+          <a:p>
+            <a:pPr algn="ctr"/>
+            <a:r>
+              <a:rPr lang="en-US" altLang="ko-KR" dirty="0" smtClean="0"/>
+              <a:t>Accept</a:t>
+            </a:r>
+            <a:endParaRPr lang="ko-KR" altLang="en-US" dirty="0"/>
+          </a:p>
+        </p:txBody>
+      </p:sp>
+      <p:cxnSp>
+        <p:nvCxnSpPr>
+          <p:cNvPr id="18" name="직선 화살표 연결선 17"/>
+          <p:cNvCxnSpPr/>
+          <p:nvPr/>
+        </p:nvCxnSpPr>
+        <p:spPr>
+          <a:xfrm>
+            <a:off x="2909139" y="1196752"/>
+            <a:ext cx="0" cy="512440"/>
+          </a:xfrm>
+          <a:prstGeom prst="straightConnector1">
+            <a:avLst/>
+          </a:prstGeom>
+          <a:ln>
+            <a:tailEnd type="arrow"/>
+          </a:ln>
+        </p:spPr>
+        <p:style>
+          <a:lnRef idx="1">
+            <a:schemeClr val="accent1"/>
+          </a:lnRef>
+          <a:fillRef idx="0">
+            <a:schemeClr val="accent1"/>
+          </a:fillRef>
+          <a:effectRef idx="0">
+            <a:schemeClr val="accent1"/>
+          </a:effectRef>
+          <a:fontRef idx="minor">
+            <a:schemeClr val="tx1"/>
+          </a:fontRef>
+        </p:style>
+      </p:cxnSp>
+      <p:cxnSp>
+        <p:nvCxnSpPr>
+          <p:cNvPr id="19" name="직선 화살표 연결선 18"/>
+          <p:cNvCxnSpPr/>
+          <p:nvPr/>
+        </p:nvCxnSpPr>
+        <p:spPr>
+          <a:xfrm flipH="1">
+            <a:off x="3779912" y="2301939"/>
+            <a:ext cx="1080120" cy="0"/>
+          </a:xfrm>
+          <a:prstGeom prst="straightConnector1">
+            <a:avLst/>
+          </a:prstGeom>
+          <a:ln>
+            <a:tailEnd type="arrow"/>
+          </a:ln>
+        </p:spPr>
+        <p:style>
+          <a:lnRef idx="1">
+            <a:schemeClr val="accent1"/>
+          </a:lnRef>
+          <a:fillRef idx="0">
+            <a:schemeClr val="accent1"/>
+          </a:fillRef>
+          <a:effectRef idx="0">
+            <a:schemeClr val="accent1"/>
+          </a:effectRef>
+          <a:fontRef idx="minor">
+            <a:schemeClr val="tx1"/>
+          </a:fontRef>
+        </p:style>
+      </p:cxnSp>
+      <p:cxnSp>
+        <p:nvCxnSpPr>
+          <p:cNvPr id="23" name="직선 화살표 연결선 22"/>
+          <p:cNvCxnSpPr/>
+          <p:nvPr/>
+        </p:nvCxnSpPr>
+        <p:spPr>
+          <a:xfrm>
+            <a:off x="6056912" y="1188984"/>
+            <a:ext cx="0" cy="512440"/>
+          </a:xfrm>
+          <a:prstGeom prst="straightConnector1">
+            <a:avLst/>
+          </a:prstGeom>
+          <a:ln>
+            <a:tailEnd type="arrow"/>
+          </a:ln>
+        </p:spPr>
+        <p:style>
+          <a:lnRef idx="1">
+            <a:schemeClr val="accent1"/>
+          </a:lnRef>
+          <a:fillRef idx="0">
+            <a:schemeClr val="accent1"/>
+          </a:fillRef>
+          <a:effectRef idx="0">
+            <a:schemeClr val="accent1"/>
+          </a:effectRef>
+          <a:fontRef idx="minor">
+            <a:schemeClr val="tx1"/>
+          </a:fontRef>
+        </p:style>
+      </p:cxnSp>
+      <p:cxnSp>
+        <p:nvCxnSpPr>
+          <p:cNvPr id="24" name="직선 화살표 연결선 23"/>
+          <p:cNvCxnSpPr/>
+          <p:nvPr/>
+        </p:nvCxnSpPr>
+        <p:spPr>
+          <a:xfrm>
+            <a:off x="6056912" y="2708920"/>
+            <a:ext cx="0" cy="512440"/>
+          </a:xfrm>
+          <a:prstGeom prst="straightConnector1">
+            <a:avLst/>
+          </a:prstGeom>
+          <a:ln>
+            <a:tailEnd type="arrow"/>
+          </a:ln>
+        </p:spPr>
+        <p:style>
+          <a:lnRef idx="1">
+            <a:schemeClr val="accent1"/>
+          </a:lnRef>
+          <a:fillRef idx="0">
+            <a:schemeClr val="accent1"/>
+          </a:fillRef>
+          <a:effectRef idx="0">
+            <a:schemeClr val="accent1"/>
+          </a:effectRef>
+          <a:fontRef idx="minor">
+            <a:schemeClr val="tx1"/>
+          </a:fontRef>
+        </p:style>
+      </p:cxnSp>
+      <p:sp>
+        <p:nvSpPr>
+          <p:cNvPr id="25" name="직사각형 24"/>
+          <p:cNvSpPr/>
+          <p:nvPr/>
+        </p:nvSpPr>
+        <p:spPr>
+          <a:xfrm>
+            <a:off x="5364088" y="3501008"/>
+            <a:ext cx="1368152" cy="720080"/>
+          </a:xfrm>
+          <a:prstGeom prst="rect">
+            <a:avLst/>
+          </a:prstGeom>
+        </p:spPr>
+        <p:style>
+          <a:lnRef idx="2">
+            <a:schemeClr val="accent1">
+              <a:shade val="50000"/>
+            </a:schemeClr>
+          </a:lnRef>
+          <a:fillRef idx="1">
+            <a:schemeClr val="accent1"/>
+          </a:fillRef>
+          <a:effectRef idx="0">
+            <a:schemeClr val="accent1"/>
+          </a:effectRef>
+          <a:fontRef idx="minor">
+            <a:schemeClr val="lt1"/>
+          </a:fontRef>
+        </p:style>
+        <p:txBody>
+          <a:bodyPr rtlCol="0" anchor="ctr"/>
+          <a:lstStyle/>
+          <a:p>
+            <a:pPr algn="ctr"/>
+            <a:r>
+              <a:rPr lang="en-US" altLang="ko-KR" dirty="0" smtClean="0"/>
+              <a:t>User Data </a:t>
+            </a:r>
+          </a:p>
+          <a:p>
+            <a:pPr algn="ctr"/>
+            <a:r>
+              <a:rPr lang="en-US" altLang="ko-KR" dirty="0" smtClean="0"/>
+              <a:t>Send</a:t>
+            </a:r>
+            <a:endParaRPr lang="ko-KR" altLang="en-US" dirty="0"/>
+          </a:p>
+        </p:txBody>
+      </p:sp>
+      <p:cxnSp>
+        <p:nvCxnSpPr>
+          <p:cNvPr id="26" name="직선 화살표 연결선 25"/>
+          <p:cNvCxnSpPr/>
+          <p:nvPr/>
+        </p:nvCxnSpPr>
+        <p:spPr>
+          <a:xfrm flipH="1">
+            <a:off x="3851920" y="3891364"/>
+            <a:ext cx="1080120" cy="0"/>
+          </a:xfrm>
+          <a:prstGeom prst="straightConnector1">
+            <a:avLst/>
+          </a:prstGeom>
+          <a:ln>
+            <a:tailEnd type="arrow"/>
+          </a:ln>
+        </p:spPr>
+        <p:style>
+          <a:lnRef idx="1">
+            <a:schemeClr val="accent1"/>
+          </a:lnRef>
+          <a:fillRef idx="0">
+            <a:schemeClr val="accent1"/>
+          </a:fillRef>
+          <a:effectRef idx="0">
+            <a:schemeClr val="accent1"/>
+          </a:effectRef>
+          <a:fontRef idx="minor">
+            <a:schemeClr val="tx1"/>
+          </a:fontRef>
+        </p:style>
+      </p:cxnSp>
+      <p:sp>
+        <p:nvSpPr>
+          <p:cNvPr id="27" name="직사각형 26"/>
+          <p:cNvSpPr/>
+          <p:nvPr/>
+        </p:nvSpPr>
+        <p:spPr>
+          <a:xfrm>
+            <a:off x="2195736" y="3538998"/>
+            <a:ext cx="1368152" cy="720080"/>
+          </a:xfrm>
+          <a:prstGeom prst="rect">
+            <a:avLst/>
+          </a:prstGeom>
+        </p:spPr>
+        <p:style>
+          <a:lnRef idx="2">
+            <a:schemeClr val="accent1">
+              <a:shade val="50000"/>
+            </a:schemeClr>
+          </a:lnRef>
+          <a:fillRef idx="1">
+            <a:schemeClr val="accent1"/>
+          </a:fillRef>
+          <a:effectRef idx="0">
+            <a:schemeClr val="accent1"/>
+          </a:effectRef>
+          <a:fontRef idx="minor">
+            <a:schemeClr val="lt1"/>
+          </a:fontRef>
+        </p:style>
+        <p:txBody>
+          <a:bodyPr rtlCol="0" anchor="ctr"/>
+          <a:lstStyle/>
+          <a:p>
+            <a:pPr algn="ctr"/>
+            <a:r>
+              <a:rPr lang="en-US" altLang="ko-KR" dirty="0" smtClean="0"/>
+              <a:t>Data </a:t>
+            </a:r>
+            <a:r>
+              <a:rPr lang="ko-KR" altLang="en-US" dirty="0" smtClean="0"/>
+              <a:t>확인</a:t>
+            </a:r>
+            <a:endParaRPr lang="ko-KR" altLang="en-US" dirty="0"/>
+          </a:p>
+        </p:txBody>
+      </p:sp>
+      <p:cxnSp>
+        <p:nvCxnSpPr>
+          <p:cNvPr id="28" name="직선 화살표 연결선 27"/>
+          <p:cNvCxnSpPr/>
+          <p:nvPr/>
+        </p:nvCxnSpPr>
+        <p:spPr>
+          <a:xfrm>
+            <a:off x="2909139" y="2852936"/>
+            <a:ext cx="0" cy="512440"/>
+          </a:xfrm>
+          <a:prstGeom prst="straightConnector1">
+            <a:avLst/>
+          </a:prstGeom>
+          <a:ln>
+            <a:tailEnd type="arrow"/>
+          </a:ln>
+        </p:spPr>
+        <p:style>
+          <a:lnRef idx="1">
+            <a:schemeClr val="accent1"/>
+          </a:lnRef>
+          <a:fillRef idx="0">
+            <a:schemeClr val="accent1"/>
+          </a:fillRef>
+          <a:effectRef idx="0">
+            <a:schemeClr val="accent1"/>
+          </a:effectRef>
+          <a:fontRef idx="minor">
+            <a:schemeClr val="tx1"/>
+          </a:fontRef>
+        </p:style>
+      </p:cxnSp>
+      <p:cxnSp>
+        <p:nvCxnSpPr>
+          <p:cNvPr id="29" name="직선 화살표 연결선 28"/>
+          <p:cNvCxnSpPr/>
+          <p:nvPr/>
+        </p:nvCxnSpPr>
+        <p:spPr>
+          <a:xfrm>
+            <a:off x="3934096" y="4941168"/>
+            <a:ext cx="1152128" cy="0"/>
+          </a:xfrm>
+          <a:prstGeom prst="straightConnector1">
+            <a:avLst/>
+          </a:prstGeom>
+          <a:ln>
+            <a:tailEnd type="arrow"/>
+          </a:ln>
+        </p:spPr>
+        <p:style>
+          <a:lnRef idx="1">
+            <a:schemeClr val="accent1"/>
+          </a:lnRef>
+          <a:fillRef idx="0">
+            <a:schemeClr val="accent1"/>
+          </a:fillRef>
+          <a:effectRef idx="0">
+            <a:schemeClr val="accent1"/>
+          </a:effectRef>
+          <a:fontRef idx="minor">
+            <a:schemeClr val="tx1"/>
+          </a:fontRef>
+        </p:style>
+      </p:cxnSp>
+      <p:sp>
+        <p:nvSpPr>
+          <p:cNvPr id="33" name="TextBox 32"/>
           <p:cNvSpPr txBox="1"/>
           <p:nvPr/>
         </p:nvSpPr>
         <p:spPr>
           <a:xfrm>
-            <a:off x="1763688" y="4365104"/>
-            <a:ext cx="1512168" cy="276999"/>
+            <a:off x="4308713" y="4509120"/>
+            <a:ext cx="309373" cy="369332"/>
           </a:xfrm>
           <a:prstGeom prst="rect">
             <a:avLst/>
@@ -4715,70 +4310,253 @@
           </a:bodyPr>
           <a:lstStyle/>
           <a:p>
+            <a:r>
+              <a:rPr lang="en-US" altLang="ko-KR" dirty="0" smtClean="0"/>
+              <a:t>Y</a:t>
+            </a:r>
+            <a:endParaRPr lang="ko-KR" altLang="en-US" dirty="0"/>
+          </a:p>
+        </p:txBody>
+      </p:sp>
+      <p:sp>
+        <p:nvSpPr>
+          <p:cNvPr id="37" name="직사각형 36"/>
+          <p:cNvSpPr/>
+          <p:nvPr/>
+        </p:nvSpPr>
+        <p:spPr>
+          <a:xfrm>
+            <a:off x="2225063" y="4681574"/>
+            <a:ext cx="1368152" cy="720080"/>
+          </a:xfrm>
+          <a:prstGeom prst="rect">
+            <a:avLst/>
+          </a:prstGeom>
+        </p:spPr>
+        <p:style>
+          <a:lnRef idx="2">
+            <a:schemeClr val="accent1">
+              <a:shade val="50000"/>
+            </a:schemeClr>
+          </a:lnRef>
+          <a:fillRef idx="1">
+            <a:schemeClr val="accent1"/>
+          </a:fillRef>
+          <a:effectRef idx="0">
+            <a:schemeClr val="accent1"/>
+          </a:effectRef>
+          <a:fontRef idx="minor">
+            <a:schemeClr val="lt1"/>
+          </a:fontRef>
+        </p:style>
+        <p:txBody>
+          <a:bodyPr rtlCol="0" anchor="ctr"/>
+          <a:lstStyle/>
+          <a:p>
             <a:pPr algn="ctr"/>
             <a:r>
-              <a:rPr lang="en-US" altLang="ko-KR" sz="1200" dirty="0" smtClean="0">
-                <a:ln w="10160">
-                  <a:solidFill>
-                    <a:schemeClr val="accent1"/>
-                  </a:solidFill>
-                  <a:prstDash val="solid"/>
-                </a:ln>
-                <a:solidFill>
-                  <a:srgbClr val="FFFFFF"/>
-                </a:solidFill>
-                <a:effectLst>
-                  <a:outerShdw blurRad="38100" dist="32000" dir="5400000" algn="tl">
-                    <a:srgbClr val="000000">
-                      <a:alpha val="30000"/>
-                    </a:srgbClr>
-                  </a:outerShdw>
-                </a:effectLst>
-              </a:rPr>
-              <a:t>ID / </a:t>
-            </a:r>
-            <a:r>
-              <a:rPr lang="ko-KR" altLang="en-US" sz="1200" dirty="0" smtClean="0">
-                <a:ln w="10160">
-                  <a:solidFill>
-                    <a:schemeClr val="accent1"/>
-                  </a:solidFill>
-                  <a:prstDash val="solid"/>
-                </a:ln>
-                <a:solidFill>
-                  <a:srgbClr val="FFFFFF"/>
-                </a:solidFill>
-                <a:effectLst>
-                  <a:outerShdw blurRad="38100" dist="32000" dir="5400000" algn="tl">
-                    <a:srgbClr val="000000">
-                      <a:alpha val="30000"/>
-                    </a:srgbClr>
-                  </a:outerShdw>
-                </a:effectLst>
-              </a:rPr>
-              <a:t>비밀번호 찾기</a:t>
-            </a:r>
-            <a:endParaRPr lang="ko-KR" altLang="en-US" sz="1200" dirty="0">
-              <a:ln w="10160">
-                <a:solidFill>
-                  <a:schemeClr val="accent1"/>
-                </a:solidFill>
-                <a:prstDash val="solid"/>
-              </a:ln>
-              <a:solidFill>
-                <a:srgbClr val="FFFFFF"/>
-              </a:solidFill>
-              <a:effectLst>
-                <a:outerShdw blurRad="38100" dist="32000" dir="5400000" algn="tl">
-                  <a:srgbClr val="000000">
-                    <a:alpha val="30000"/>
-                  </a:srgbClr>
-                </a:outerShdw>
-              </a:effectLst>
-            </a:endParaRPr>
-          </a:p>
-        </p:txBody>
-      </p:sp>
+              <a:rPr lang="en-US" altLang="ko-KR" dirty="0" smtClean="0"/>
+              <a:t>OK Packet</a:t>
+            </a:r>
+            <a:endParaRPr lang="ko-KR" altLang="en-US" dirty="0"/>
+          </a:p>
+        </p:txBody>
+      </p:sp>
+      <p:cxnSp>
+        <p:nvCxnSpPr>
+          <p:cNvPr id="38" name="직선 화살표 연결선 37"/>
+          <p:cNvCxnSpPr/>
+          <p:nvPr/>
+        </p:nvCxnSpPr>
+        <p:spPr>
+          <a:xfrm>
+            <a:off x="2909139" y="4291089"/>
+            <a:ext cx="0" cy="322050"/>
+          </a:xfrm>
+          <a:prstGeom prst="straightConnector1">
+            <a:avLst/>
+          </a:prstGeom>
+          <a:ln>
+            <a:tailEnd type="arrow"/>
+          </a:ln>
+        </p:spPr>
+        <p:style>
+          <a:lnRef idx="1">
+            <a:schemeClr val="accent1"/>
+          </a:lnRef>
+          <a:fillRef idx="0">
+            <a:schemeClr val="accent1"/>
+          </a:fillRef>
+          <a:effectRef idx="0">
+            <a:schemeClr val="accent1"/>
+          </a:effectRef>
+          <a:fontRef idx="minor">
+            <a:schemeClr val="tx1"/>
+          </a:fontRef>
+        </p:style>
+      </p:cxnSp>
+      <p:sp>
+        <p:nvSpPr>
+          <p:cNvPr id="40" name="TextBox 39"/>
+          <p:cNvSpPr txBox="1"/>
+          <p:nvPr/>
+        </p:nvSpPr>
+        <p:spPr>
+          <a:xfrm>
+            <a:off x="1475656" y="4697042"/>
+            <a:ext cx="309373" cy="369332"/>
+          </a:xfrm>
+          <a:prstGeom prst="rect">
+            <a:avLst/>
+          </a:prstGeom>
+          <a:noFill/>
+        </p:spPr>
+        <p:txBody>
+          <a:bodyPr wrap="square" rtlCol="0">
+            <a:spAutoFit/>
+          </a:bodyPr>
+          <a:lstStyle/>
+          <a:p>
+            <a:r>
+              <a:rPr lang="en-US" altLang="ko-KR" dirty="0" smtClean="0"/>
+              <a:t>N</a:t>
+            </a:r>
+            <a:endParaRPr lang="ko-KR" altLang="en-US" dirty="0"/>
+          </a:p>
+        </p:txBody>
+      </p:sp>
+      <p:cxnSp>
+        <p:nvCxnSpPr>
+          <p:cNvPr id="41" name="직선 화살표 연결선 40"/>
+          <p:cNvCxnSpPr/>
+          <p:nvPr/>
+        </p:nvCxnSpPr>
+        <p:spPr>
+          <a:xfrm flipV="1">
+            <a:off x="1785029" y="3099880"/>
+            <a:ext cx="0" cy="2045844"/>
+          </a:xfrm>
+          <a:prstGeom prst="straightConnector1">
+            <a:avLst/>
+          </a:prstGeom>
+          <a:ln>
+            <a:tailEnd type="arrow"/>
+          </a:ln>
+        </p:spPr>
+        <p:style>
+          <a:lnRef idx="1">
+            <a:schemeClr val="accent1"/>
+          </a:lnRef>
+          <a:fillRef idx="0">
+            <a:schemeClr val="accent1"/>
+          </a:fillRef>
+          <a:effectRef idx="0">
+            <a:schemeClr val="accent1"/>
+          </a:effectRef>
+          <a:fontRef idx="minor">
+            <a:schemeClr val="tx1"/>
+          </a:fontRef>
+        </p:style>
+      </p:cxnSp>
+      <p:cxnSp>
+        <p:nvCxnSpPr>
+          <p:cNvPr id="43" name="직선 화살표 연결선 42"/>
+          <p:cNvCxnSpPr/>
+          <p:nvPr/>
+        </p:nvCxnSpPr>
+        <p:spPr>
+          <a:xfrm flipH="1">
+            <a:off x="1785029" y="5145724"/>
+            <a:ext cx="540060" cy="6602"/>
+          </a:xfrm>
+          <a:prstGeom prst="straightConnector1">
+            <a:avLst/>
+          </a:prstGeom>
+          <a:ln>
+            <a:tailEnd type="arrow"/>
+          </a:ln>
+        </p:spPr>
+        <p:style>
+          <a:lnRef idx="1">
+            <a:schemeClr val="accent1"/>
+          </a:lnRef>
+          <a:fillRef idx="0">
+            <a:schemeClr val="accent1"/>
+          </a:fillRef>
+          <a:effectRef idx="0">
+            <a:schemeClr val="accent1"/>
+          </a:effectRef>
+          <a:fontRef idx="minor">
+            <a:schemeClr val="tx1"/>
+          </a:fontRef>
+        </p:style>
+      </p:cxnSp>
+      <p:cxnSp>
+        <p:nvCxnSpPr>
+          <p:cNvPr id="45" name="직선 화살표 연결선 44"/>
+          <p:cNvCxnSpPr/>
+          <p:nvPr/>
+        </p:nvCxnSpPr>
+        <p:spPr>
+          <a:xfrm>
+            <a:off x="1752628" y="3109156"/>
+            <a:ext cx="3899492" cy="0"/>
+          </a:xfrm>
+          <a:prstGeom prst="straightConnector1">
+            <a:avLst/>
+          </a:prstGeom>
+          <a:ln>
+            <a:tailEnd type="arrow"/>
+          </a:ln>
+        </p:spPr>
+        <p:style>
+          <a:lnRef idx="1">
+            <a:schemeClr val="accent1"/>
+          </a:lnRef>
+          <a:fillRef idx="0">
+            <a:schemeClr val="accent1"/>
+          </a:fillRef>
+          <a:effectRef idx="0">
+            <a:schemeClr val="accent1"/>
+          </a:effectRef>
+          <a:fontRef idx="minor">
+            <a:schemeClr val="tx1"/>
+          </a:fontRef>
+        </p:style>
+      </p:cxnSp>
+      <p:cxnSp>
+        <p:nvCxnSpPr>
+          <p:cNvPr id="48" name="직선 화살표 연결선 47"/>
+          <p:cNvCxnSpPr/>
+          <p:nvPr/>
+        </p:nvCxnSpPr>
+        <p:spPr>
+          <a:xfrm>
+            <a:off x="5652120" y="3099880"/>
+            <a:ext cx="0" cy="265496"/>
+          </a:xfrm>
+          <a:prstGeom prst="straightConnector1">
+            <a:avLst/>
+          </a:prstGeom>
+          <a:ln>
+            <a:tailEnd type="arrow"/>
+          </a:ln>
+        </p:spPr>
+        <p:style>
+          <a:lnRef idx="1">
+            <a:schemeClr val="accent1"/>
+          </a:lnRef>
+          <a:fillRef idx="0">
+            <a:schemeClr val="accent1"/>
+          </a:fillRef>
+          <a:effectRef idx="0">
+            <a:schemeClr val="accent1"/>
+          </a:effectRef>
+          <a:fontRef idx="minor">
+            <a:schemeClr val="tx1"/>
+          </a:fontRef>
+        </p:style>
+      </p:cxnSp>
     </p:spTree>
     <p:extLst>
       <p:ext uri="{BB962C8B-B14F-4D97-AF65-F5344CB8AC3E}">
@@ -4857,6 +4635,1038 @@
       </p:sp>
       <p:sp>
         <p:nvSpPr>
+          <p:cNvPr id="5" name="직사각형 4"/>
+          <p:cNvSpPr/>
+          <p:nvPr/>
+        </p:nvSpPr>
+        <p:spPr>
+          <a:xfrm>
+            <a:off x="1276498" y="2006770"/>
+            <a:ext cx="2251386" cy="923330"/>
+          </a:xfrm>
+          <a:prstGeom prst="rect">
+            <a:avLst/>
+          </a:prstGeom>
+          <a:noFill/>
+          <a:effectLst>
+            <a:glow rad="139700">
+              <a:schemeClr val="accent3">
+                <a:satMod val="175000"/>
+                <a:alpha val="40000"/>
+              </a:schemeClr>
+            </a:glow>
+          </a:effectLst>
+        </p:spPr>
+        <p:txBody>
+          <a:bodyPr wrap="none" lIns="91440" tIns="45720" rIns="91440" bIns="45720">
+            <a:spAutoFit/>
+          </a:bodyPr>
+          <a:lstStyle/>
+          <a:p>
+            <a:pPr algn="ctr"/>
+            <a:r>
+              <a:rPr lang="en-US" altLang="ko-KR" sz="5400" b="1" dirty="0">
+                <a:ln w="18000">
+                  <a:solidFill>
+                    <a:schemeClr val="accent2">
+                      <a:satMod val="140000"/>
+                    </a:schemeClr>
+                  </a:solidFill>
+                  <a:prstDash val="solid"/>
+                  <a:miter lim="800000"/>
+                </a:ln>
+                <a:solidFill>
+                  <a:schemeClr val="accent6">
+                    <a:lumMod val="75000"/>
+                  </a:schemeClr>
+                </a:solidFill>
+                <a:effectLst>
+                  <a:outerShdw blurRad="25500" dist="23000" dir="7020000" algn="tl">
+                    <a:srgbClr val="000000">
+                      <a:alpha val="50000"/>
+                    </a:srgbClr>
+                  </a:outerShdw>
+                </a:effectLst>
+              </a:rPr>
+              <a:t>H</a:t>
+            </a:r>
+            <a:r>
+              <a:rPr lang="en-US" altLang="ko-KR" sz="5400" b="1" cap="none" spc="0" dirty="0" smtClean="0">
+                <a:ln w="18000">
+                  <a:solidFill>
+                    <a:schemeClr val="accent2">
+                      <a:satMod val="140000"/>
+                    </a:schemeClr>
+                  </a:solidFill>
+                  <a:prstDash val="solid"/>
+                  <a:miter lim="800000"/>
+                </a:ln>
+                <a:solidFill>
+                  <a:schemeClr val="accent6">
+                    <a:lumMod val="75000"/>
+                  </a:schemeClr>
+                </a:solidFill>
+                <a:effectLst>
+                  <a:outerShdw blurRad="25500" dist="23000" dir="7020000" algn="tl">
+                    <a:srgbClr val="000000">
+                      <a:alpha val="50000"/>
+                    </a:srgbClr>
+                  </a:outerShdw>
+                </a:effectLst>
+              </a:rPr>
+              <a:t> Talk</a:t>
+            </a:r>
+            <a:endParaRPr lang="en-US" altLang="ko-KR" sz="5400" b="1" cap="none" spc="0" dirty="0">
+              <a:ln w="18000">
+                <a:solidFill>
+                  <a:schemeClr val="accent2">
+                    <a:satMod val="140000"/>
+                  </a:schemeClr>
+                </a:solidFill>
+                <a:prstDash val="solid"/>
+                <a:miter lim="800000"/>
+              </a:ln>
+              <a:solidFill>
+                <a:schemeClr val="accent6">
+                  <a:lumMod val="75000"/>
+                </a:schemeClr>
+              </a:solidFill>
+              <a:effectLst>
+                <a:outerShdw blurRad="25500" dist="23000" dir="7020000" algn="tl">
+                  <a:srgbClr val="000000">
+                    <a:alpha val="50000"/>
+                  </a:srgbClr>
+                </a:outerShdw>
+              </a:effectLst>
+            </a:endParaRPr>
+          </a:p>
+        </p:txBody>
+      </p:sp>
+      <p:sp>
+        <p:nvSpPr>
+          <p:cNvPr id="2" name="직사각형 1"/>
+          <p:cNvSpPr/>
+          <p:nvPr/>
+        </p:nvSpPr>
+        <p:spPr>
+          <a:xfrm>
+            <a:off x="1331640" y="3266910"/>
+            <a:ext cx="2196244" cy="306106"/>
+          </a:xfrm>
+          <a:prstGeom prst="rect">
+            <a:avLst/>
+          </a:prstGeom>
+        </p:spPr>
+        <p:style>
+          <a:lnRef idx="2">
+            <a:schemeClr val="accent6"/>
+          </a:lnRef>
+          <a:fillRef idx="1">
+            <a:schemeClr val="lt1"/>
+          </a:fillRef>
+          <a:effectRef idx="0">
+            <a:schemeClr val="accent6"/>
+          </a:effectRef>
+          <a:fontRef idx="minor">
+            <a:schemeClr val="dk1"/>
+          </a:fontRef>
+        </p:style>
+        <p:txBody>
+          <a:bodyPr rtlCol="0" anchor="ctr"/>
+          <a:lstStyle/>
+          <a:p>
+            <a:pPr algn="ctr"/>
+            <a:endParaRPr lang="ko-KR" altLang="en-US"/>
+          </a:p>
+        </p:txBody>
+      </p:sp>
+      <p:sp>
+        <p:nvSpPr>
+          <p:cNvPr id="6" name="직사각형 5"/>
+          <p:cNvSpPr/>
+          <p:nvPr/>
+        </p:nvSpPr>
+        <p:spPr>
+          <a:xfrm>
+            <a:off x="1331640" y="3573016"/>
+            <a:ext cx="2196244" cy="306106"/>
+          </a:xfrm>
+          <a:prstGeom prst="rect">
+            <a:avLst/>
+          </a:prstGeom>
+        </p:spPr>
+        <p:style>
+          <a:lnRef idx="2">
+            <a:schemeClr val="accent6"/>
+          </a:lnRef>
+          <a:fillRef idx="1">
+            <a:schemeClr val="lt1"/>
+          </a:fillRef>
+          <a:effectRef idx="0">
+            <a:schemeClr val="accent6"/>
+          </a:effectRef>
+          <a:fontRef idx="minor">
+            <a:schemeClr val="dk1"/>
+          </a:fontRef>
+        </p:style>
+        <p:txBody>
+          <a:bodyPr rtlCol="0" anchor="ctr"/>
+          <a:lstStyle/>
+          <a:p>
+            <a:pPr algn="ctr"/>
+            <a:endParaRPr lang="ko-KR" altLang="en-US"/>
+          </a:p>
+        </p:txBody>
+      </p:sp>
+      <p:sp>
+        <p:nvSpPr>
+          <p:cNvPr id="3" name="TextBox 2"/>
+          <p:cNvSpPr txBox="1"/>
+          <p:nvPr/>
+        </p:nvSpPr>
+        <p:spPr>
+          <a:xfrm>
+            <a:off x="1763688" y="4636493"/>
+            <a:ext cx="1368152" cy="276999"/>
+          </a:xfrm>
+          <a:prstGeom prst="rect">
+            <a:avLst/>
+          </a:prstGeom>
+          <a:noFill/>
+        </p:spPr>
+        <p:txBody>
+          <a:bodyPr wrap="square" rtlCol="0">
+            <a:spAutoFit/>
+          </a:bodyPr>
+          <a:lstStyle/>
+          <a:p>
+            <a:pPr algn="ctr"/>
+            <a:r>
+              <a:rPr lang="ko-KR" altLang="en-US" sz="1200" dirty="0" smtClean="0">
+                <a:ln w="10160">
+                  <a:solidFill>
+                    <a:schemeClr val="accent1"/>
+                  </a:solidFill>
+                  <a:prstDash val="solid"/>
+                </a:ln>
+                <a:solidFill>
+                  <a:srgbClr val="FFFFFF"/>
+                </a:solidFill>
+                <a:effectLst>
+                  <a:outerShdw blurRad="38100" dist="32000" dir="5400000" algn="tl">
+                    <a:srgbClr val="000000">
+                      <a:alpha val="30000"/>
+                    </a:srgbClr>
+                  </a:outerShdw>
+                </a:effectLst>
+              </a:rPr>
+              <a:t>회 원 가 입</a:t>
+            </a:r>
+            <a:endParaRPr lang="ko-KR" altLang="en-US" sz="1200" dirty="0">
+              <a:ln w="10160">
+                <a:solidFill>
+                  <a:schemeClr val="accent1"/>
+                </a:solidFill>
+                <a:prstDash val="solid"/>
+              </a:ln>
+              <a:solidFill>
+                <a:srgbClr val="FFFFFF"/>
+              </a:solidFill>
+              <a:effectLst>
+                <a:outerShdw blurRad="38100" dist="32000" dir="5400000" algn="tl">
+                  <a:srgbClr val="000000">
+                    <a:alpha val="30000"/>
+                  </a:srgbClr>
+                </a:outerShdw>
+              </a:effectLst>
+            </a:endParaRPr>
+          </a:p>
+        </p:txBody>
+      </p:sp>
+      <p:sp>
+        <p:nvSpPr>
+          <p:cNvPr id="7" name="TextBox 6"/>
+          <p:cNvSpPr txBox="1"/>
+          <p:nvPr/>
+        </p:nvSpPr>
+        <p:spPr>
+          <a:xfrm>
+            <a:off x="2942251" y="5395334"/>
+            <a:ext cx="1368152" cy="230832"/>
+          </a:xfrm>
+          <a:prstGeom prst="rect">
+            <a:avLst/>
+          </a:prstGeom>
+          <a:noFill/>
+        </p:spPr>
+        <p:txBody>
+          <a:bodyPr wrap="square" rtlCol="0">
+            <a:spAutoFit/>
+          </a:bodyPr>
+          <a:lstStyle/>
+          <a:p>
+            <a:pPr algn="ctr"/>
+            <a:r>
+              <a:rPr lang="ko-KR" altLang="en-US" sz="900" dirty="0" smtClean="0">
+                <a:ln w="10160">
+                  <a:solidFill>
+                    <a:schemeClr val="accent1"/>
+                  </a:solidFill>
+                  <a:prstDash val="solid"/>
+                </a:ln>
+                <a:solidFill>
+                  <a:schemeClr val="accent3">
+                    <a:lumMod val="75000"/>
+                  </a:schemeClr>
+                </a:solidFill>
+                <a:effectLst>
+                  <a:outerShdw blurRad="38100" dist="32000" dir="5400000" algn="tl">
+                    <a:srgbClr val="000000">
+                      <a:alpha val="30000"/>
+                    </a:srgbClr>
+                  </a:outerShdw>
+                </a:effectLst>
+              </a:rPr>
+              <a:t>개발자 정보</a:t>
+            </a:r>
+            <a:endParaRPr lang="ko-KR" altLang="en-US" sz="900" dirty="0">
+              <a:ln w="10160">
+                <a:solidFill>
+                  <a:schemeClr val="accent1"/>
+                </a:solidFill>
+                <a:prstDash val="solid"/>
+              </a:ln>
+              <a:solidFill>
+                <a:schemeClr val="accent3">
+                  <a:lumMod val="75000"/>
+                </a:schemeClr>
+              </a:solidFill>
+              <a:effectLst>
+                <a:outerShdw blurRad="38100" dist="32000" dir="5400000" algn="tl">
+                  <a:srgbClr val="000000">
+                    <a:alpha val="30000"/>
+                  </a:srgbClr>
+                </a:outerShdw>
+              </a:effectLst>
+            </a:endParaRPr>
+          </a:p>
+        </p:txBody>
+      </p:sp>
+      <p:sp>
+        <p:nvSpPr>
+          <p:cNvPr id="8" name="TextBox 7"/>
+          <p:cNvSpPr txBox="1"/>
+          <p:nvPr/>
+        </p:nvSpPr>
+        <p:spPr>
+          <a:xfrm>
+            <a:off x="5076056" y="961844"/>
+            <a:ext cx="3528392" cy="4154984"/>
+          </a:xfrm>
+          <a:prstGeom prst="rect">
+            <a:avLst/>
+          </a:prstGeom>
+          <a:noFill/>
+        </p:spPr>
+        <p:txBody>
+          <a:bodyPr wrap="square" rtlCol="0">
+            <a:spAutoFit/>
+          </a:bodyPr>
+          <a:lstStyle/>
+          <a:p>
+            <a:r>
+              <a:rPr lang="en-US" altLang="ko-KR" sz="1100" dirty="0" smtClean="0"/>
+              <a:t>1. Client</a:t>
+            </a:r>
+            <a:r>
+              <a:rPr lang="ko-KR" altLang="en-US" sz="1100" dirty="0" smtClean="0"/>
+              <a:t>는 </a:t>
+            </a:r>
+            <a:r>
+              <a:rPr lang="en-US" altLang="ko-KR" sz="1100" dirty="0" smtClean="0"/>
+              <a:t>IP</a:t>
+            </a:r>
+            <a:r>
+              <a:rPr lang="ko-KR" altLang="en-US" sz="1100" dirty="0" smtClean="0"/>
+              <a:t>와 </a:t>
+            </a:r>
+            <a:r>
+              <a:rPr lang="en-US" altLang="ko-KR" sz="1100" dirty="0" smtClean="0"/>
+              <a:t>port</a:t>
+            </a:r>
+            <a:r>
+              <a:rPr lang="ko-KR" altLang="en-US" sz="1100" dirty="0" smtClean="0"/>
+              <a:t>번호를 </a:t>
+            </a:r>
+            <a:r>
+              <a:rPr lang="en-US" altLang="ko-KR" sz="1100" dirty="0" smtClean="0"/>
+              <a:t>text</a:t>
+            </a:r>
+            <a:r>
+              <a:rPr lang="ko-KR" altLang="en-US" sz="1100" dirty="0" smtClean="0"/>
+              <a:t>를 통해 읽는다</a:t>
+            </a:r>
+            <a:r>
+              <a:rPr lang="en-US" altLang="ko-KR" sz="1100" dirty="0" smtClean="0"/>
+              <a:t>.</a:t>
+            </a:r>
+          </a:p>
+          <a:p>
+            <a:endParaRPr lang="en-US" altLang="ko-KR" sz="1100" dirty="0" smtClean="0"/>
+          </a:p>
+          <a:p>
+            <a:endParaRPr lang="en-US" altLang="ko-KR" sz="1100" dirty="0"/>
+          </a:p>
+          <a:p>
+            <a:r>
+              <a:rPr lang="en-US" altLang="ko-KR" sz="1100" dirty="0" smtClean="0"/>
+              <a:t>2. ID, Password </a:t>
+            </a:r>
+            <a:r>
+              <a:rPr lang="ko-KR" altLang="en-US" sz="1100" dirty="0" err="1" smtClean="0"/>
+              <a:t>둘다</a:t>
+            </a:r>
+            <a:r>
+              <a:rPr lang="ko-KR" altLang="en-US" sz="1100" dirty="0" smtClean="0"/>
+              <a:t> 입력</a:t>
+            </a:r>
+            <a:r>
+              <a:rPr lang="en-US" altLang="ko-KR" sz="1100" dirty="0"/>
+              <a:t> </a:t>
+            </a:r>
+            <a:r>
+              <a:rPr lang="ko-KR" altLang="en-US" sz="1100" dirty="0" smtClean="0"/>
+              <a:t>후 </a:t>
+            </a:r>
+            <a:r>
+              <a:rPr lang="en-US" altLang="ko-KR" sz="1100" dirty="0" smtClean="0"/>
+              <a:t>Login or Enter </a:t>
+            </a:r>
+            <a:r>
+              <a:rPr lang="ko-KR" altLang="en-US" sz="1100" dirty="0" err="1" smtClean="0"/>
+              <a:t>입력시</a:t>
+            </a:r>
+            <a:r>
+              <a:rPr lang="ko-KR" altLang="en-US" sz="1100" dirty="0" smtClean="0"/>
+              <a:t> 서버에 </a:t>
+            </a:r>
+            <a:r>
+              <a:rPr lang="en-US" altLang="ko-KR" sz="1100" dirty="0" smtClean="0"/>
+              <a:t>Login </a:t>
+            </a:r>
+            <a:r>
+              <a:rPr lang="ko-KR" altLang="en-US" sz="1100" dirty="0" err="1" smtClean="0"/>
+              <a:t>패킷</a:t>
+            </a:r>
+            <a:r>
+              <a:rPr lang="ko-KR" altLang="en-US" sz="1100" dirty="0" smtClean="0"/>
+              <a:t> 전송</a:t>
+            </a:r>
+            <a:r>
+              <a:rPr lang="en-US" altLang="ko-KR" sz="1100" dirty="0" smtClean="0"/>
+              <a:t>, (password</a:t>
+            </a:r>
+            <a:r>
+              <a:rPr lang="ko-KR" altLang="en-US" sz="1100" dirty="0" smtClean="0"/>
+              <a:t>는 </a:t>
+            </a:r>
+            <a:r>
+              <a:rPr lang="en-US" altLang="ko-KR" sz="1100" dirty="0" smtClean="0"/>
+              <a:t>*</a:t>
+            </a:r>
+            <a:r>
+              <a:rPr lang="ko-KR" altLang="en-US" sz="1100" dirty="0" smtClean="0"/>
+              <a:t>로 표시</a:t>
+            </a:r>
+            <a:r>
+              <a:rPr lang="en-US" altLang="ko-KR" sz="1100" dirty="0"/>
+              <a:t>)</a:t>
+            </a:r>
+            <a:endParaRPr lang="en-US" altLang="ko-KR" sz="1100" dirty="0" smtClean="0"/>
+          </a:p>
+          <a:p>
+            <a:endParaRPr lang="en-US" altLang="ko-KR" sz="1100" dirty="0" smtClean="0"/>
+          </a:p>
+          <a:p>
+            <a:r>
+              <a:rPr lang="en-US" altLang="ko-KR" sz="1100" dirty="0" smtClean="0"/>
+              <a:t>3.</a:t>
+            </a:r>
+            <a:r>
+              <a:rPr lang="en-US" altLang="ko-KR" sz="1100" dirty="0"/>
+              <a:t> </a:t>
+            </a:r>
+            <a:r>
+              <a:rPr lang="ko-KR" altLang="en-US" sz="1100" dirty="0" smtClean="0"/>
+              <a:t>서버는 해당 정보를 </a:t>
+            </a:r>
+            <a:r>
+              <a:rPr lang="en-US" altLang="ko-KR" sz="1100" dirty="0" smtClean="0"/>
+              <a:t>DB</a:t>
+            </a:r>
+            <a:r>
+              <a:rPr lang="ko-KR" altLang="en-US" sz="1100" dirty="0" smtClean="0"/>
+              <a:t>를 통해</a:t>
+            </a:r>
+            <a:r>
+              <a:rPr lang="en-US" altLang="ko-KR" sz="1100" dirty="0" smtClean="0"/>
+              <a:t>(</a:t>
+            </a:r>
+            <a:r>
+              <a:rPr lang="ko-KR" altLang="en-US" sz="1100" dirty="0" smtClean="0"/>
+              <a:t>초기 단계에서는 </a:t>
+            </a:r>
+            <a:r>
+              <a:rPr lang="en-US" altLang="ko-KR" sz="1100" dirty="0" smtClean="0"/>
+              <a:t>text </a:t>
+            </a:r>
+            <a:r>
+              <a:rPr lang="ko-KR" altLang="en-US" sz="1100" dirty="0" smtClean="0"/>
+              <a:t>파일을 통해</a:t>
+            </a:r>
+            <a:r>
+              <a:rPr lang="en-US" altLang="ko-KR" sz="1100" dirty="0" smtClean="0"/>
+              <a:t>)</a:t>
+            </a:r>
+            <a:r>
+              <a:rPr lang="ko-KR" altLang="en-US" sz="1100" dirty="0" smtClean="0"/>
+              <a:t> </a:t>
+            </a:r>
+            <a:r>
+              <a:rPr lang="ko-KR" altLang="en-US" sz="1100" dirty="0" err="1" smtClean="0"/>
+              <a:t>읽어들이고</a:t>
+            </a:r>
+            <a:r>
+              <a:rPr lang="en-US" altLang="ko-KR" sz="1100" dirty="0"/>
+              <a:t> </a:t>
+            </a:r>
+            <a:r>
+              <a:rPr lang="ko-KR" altLang="en-US" sz="1100" dirty="0" smtClean="0"/>
+              <a:t>일치하는 </a:t>
+            </a:r>
+            <a:endParaRPr lang="en-US" altLang="ko-KR" sz="1100" dirty="0" smtClean="0"/>
+          </a:p>
+          <a:p>
+            <a:r>
+              <a:rPr lang="ko-KR" altLang="en-US" sz="1100" dirty="0" smtClean="0"/>
+              <a:t>정보가 </a:t>
+            </a:r>
+            <a:r>
+              <a:rPr lang="ko-KR" altLang="en-US" sz="1100" dirty="0" err="1" smtClean="0"/>
+              <a:t>없을시에</a:t>
+            </a:r>
+            <a:r>
+              <a:rPr lang="ko-KR" altLang="en-US" sz="1100" dirty="0" smtClean="0"/>
+              <a:t> </a:t>
+            </a:r>
+            <a:r>
+              <a:rPr lang="en-US" altLang="ko-KR" sz="1100" dirty="0" smtClean="0"/>
+              <a:t>No Packet </a:t>
+            </a:r>
+            <a:r>
+              <a:rPr lang="ko-KR" altLang="en-US" sz="1100" dirty="0" smtClean="0"/>
+              <a:t>전송</a:t>
+            </a:r>
+            <a:endParaRPr lang="en-US" altLang="ko-KR" sz="1100" dirty="0" smtClean="0"/>
+          </a:p>
+          <a:p>
+            <a:r>
+              <a:rPr lang="en-US" altLang="ko-KR" sz="1100" dirty="0" smtClean="0"/>
+              <a:t>Client</a:t>
+            </a:r>
+            <a:r>
+              <a:rPr lang="ko-KR" altLang="en-US" sz="1100" dirty="0" smtClean="0"/>
+              <a:t>는 </a:t>
+            </a:r>
+            <a:r>
+              <a:rPr lang="en-US" altLang="ko-KR" sz="1100" dirty="0" smtClean="0"/>
+              <a:t>pop up</a:t>
+            </a:r>
+            <a:r>
+              <a:rPr lang="ko-KR" altLang="en-US" sz="1100" dirty="0" smtClean="0"/>
+              <a:t>을 띄운다</a:t>
+            </a:r>
+            <a:r>
+              <a:rPr lang="en-US" altLang="ko-KR" sz="1100" dirty="0" smtClean="0"/>
+              <a:t>.</a:t>
+            </a:r>
+          </a:p>
+          <a:p>
+            <a:endParaRPr lang="en-US" altLang="ko-KR" sz="1100" dirty="0"/>
+          </a:p>
+          <a:p>
+            <a:r>
+              <a:rPr lang="en-US" altLang="ko-KR" sz="1100" dirty="0" smtClean="0"/>
+              <a:t>4. ID / </a:t>
+            </a:r>
+            <a:r>
+              <a:rPr lang="ko-KR" altLang="en-US" sz="1100" dirty="0" smtClean="0"/>
+              <a:t>비밀번호 찾기를 누르면 창을 띄운다</a:t>
+            </a:r>
+            <a:r>
+              <a:rPr lang="en-US" altLang="ko-KR" sz="1100" dirty="0" smtClean="0"/>
+              <a:t>. </a:t>
+            </a:r>
+          </a:p>
+          <a:p>
+            <a:r>
+              <a:rPr lang="en-US" altLang="ko-KR" sz="1100" dirty="0"/>
+              <a:t> </a:t>
+            </a:r>
+            <a:r>
+              <a:rPr lang="en-US" altLang="ko-KR" sz="1100" dirty="0" smtClean="0"/>
+              <a:t>  </a:t>
+            </a:r>
+            <a:r>
+              <a:rPr lang="ko-KR" altLang="en-US" sz="1100" dirty="0" err="1" smtClean="0"/>
+              <a:t>회원가입시</a:t>
+            </a:r>
+            <a:r>
+              <a:rPr lang="ko-KR" altLang="en-US" sz="1100" dirty="0" smtClean="0"/>
+              <a:t> 입력했던 </a:t>
+            </a:r>
+            <a:r>
+              <a:rPr lang="ko-KR" altLang="en-US" sz="1100" dirty="0" err="1" smtClean="0"/>
+              <a:t>내용중</a:t>
+            </a:r>
+            <a:r>
+              <a:rPr lang="ko-KR" altLang="en-US" sz="1100" dirty="0" smtClean="0"/>
+              <a:t> 일부를 입력하게 유도</a:t>
+            </a:r>
+            <a:endParaRPr lang="en-US" altLang="ko-KR" sz="1100" dirty="0" smtClean="0"/>
+          </a:p>
+          <a:p>
+            <a:r>
+              <a:rPr lang="en-US" altLang="ko-KR" sz="1100" dirty="0"/>
+              <a:t> </a:t>
+            </a:r>
+            <a:r>
+              <a:rPr lang="en-US" altLang="ko-KR" sz="1100" dirty="0" smtClean="0"/>
+              <a:t>  text or DB</a:t>
+            </a:r>
+            <a:r>
+              <a:rPr lang="ko-KR" altLang="en-US" sz="1100" dirty="0" smtClean="0"/>
+              <a:t>를 통해서 </a:t>
+            </a:r>
+            <a:r>
+              <a:rPr lang="ko-KR" altLang="en-US" sz="1100" dirty="0" err="1" smtClean="0"/>
+              <a:t>서칭</a:t>
+            </a:r>
+            <a:r>
+              <a:rPr lang="ko-KR" altLang="en-US" sz="1100" dirty="0" smtClean="0"/>
+              <a:t> 후 입력 </a:t>
+            </a:r>
+            <a:r>
+              <a:rPr lang="ko-KR" altLang="en-US" sz="1100" dirty="0" err="1" smtClean="0"/>
+              <a:t>일치시</a:t>
+            </a:r>
+            <a:r>
+              <a:rPr lang="ko-KR" altLang="en-US" sz="1100" dirty="0" smtClean="0"/>
+              <a:t> 힌트를 </a:t>
+            </a:r>
+            <a:endParaRPr lang="en-US" altLang="ko-KR" sz="1100" dirty="0" smtClean="0"/>
+          </a:p>
+          <a:p>
+            <a:r>
+              <a:rPr lang="en-US" altLang="ko-KR" sz="1100" dirty="0"/>
+              <a:t> </a:t>
+            </a:r>
+            <a:r>
+              <a:rPr lang="en-US" altLang="ko-KR" sz="1100" dirty="0" smtClean="0"/>
+              <a:t>  </a:t>
+            </a:r>
+            <a:r>
+              <a:rPr lang="ko-KR" altLang="en-US" sz="1100" dirty="0" smtClean="0"/>
+              <a:t>주는 것으로</a:t>
+            </a:r>
+            <a:r>
+              <a:rPr lang="en-US" altLang="ko-KR" sz="1100" dirty="0" smtClean="0"/>
+              <a:t>.?</a:t>
+            </a:r>
+          </a:p>
+          <a:p>
+            <a:endParaRPr lang="en-US" altLang="ko-KR" sz="1100" dirty="0"/>
+          </a:p>
+          <a:p>
+            <a:r>
+              <a:rPr lang="en-US" altLang="ko-KR" sz="1100" dirty="0" smtClean="0"/>
+              <a:t>5. </a:t>
+            </a:r>
+            <a:r>
+              <a:rPr lang="ko-KR" altLang="en-US" sz="1100" dirty="0" smtClean="0"/>
+              <a:t>회원 </a:t>
+            </a:r>
+            <a:r>
+              <a:rPr lang="ko-KR" altLang="en-US" sz="1100" dirty="0" err="1" smtClean="0"/>
+              <a:t>가입시</a:t>
+            </a:r>
+            <a:r>
+              <a:rPr lang="ko-KR" altLang="en-US" sz="1100" dirty="0" smtClean="0"/>
+              <a:t> 새로운 창 활성화</a:t>
+            </a:r>
+            <a:r>
+              <a:rPr lang="en-US" altLang="ko-KR" sz="1100" dirty="0" smtClean="0"/>
+              <a:t>, </a:t>
+            </a:r>
+            <a:r>
+              <a:rPr lang="ko-KR" altLang="en-US" sz="1100" dirty="0" smtClean="0"/>
+              <a:t>이름</a:t>
+            </a:r>
+            <a:r>
+              <a:rPr lang="en-US" altLang="ko-KR" sz="1100" dirty="0" smtClean="0"/>
+              <a:t>, </a:t>
+            </a:r>
+            <a:r>
+              <a:rPr lang="ko-KR" altLang="en-US" sz="1100" dirty="0" smtClean="0"/>
+              <a:t>핸드폰번호</a:t>
+            </a:r>
+            <a:endParaRPr lang="en-US" altLang="ko-KR" sz="1100" dirty="0" smtClean="0"/>
+          </a:p>
+          <a:p>
+            <a:r>
+              <a:rPr lang="en-US" altLang="ko-KR" sz="1100" dirty="0"/>
+              <a:t> </a:t>
+            </a:r>
+            <a:r>
+              <a:rPr lang="en-US" altLang="ko-KR" sz="1100" dirty="0" smtClean="0"/>
+              <a:t>  </a:t>
+            </a:r>
+            <a:r>
+              <a:rPr lang="ko-KR" altLang="en-US" sz="1100" dirty="0" err="1" smtClean="0"/>
+              <a:t>이메일</a:t>
+            </a:r>
+            <a:r>
+              <a:rPr lang="en-US" altLang="ko-KR" sz="1100" dirty="0" smtClean="0"/>
+              <a:t>, id pass, 2pass </a:t>
+            </a:r>
+            <a:r>
+              <a:rPr lang="ko-KR" altLang="en-US" sz="1100" dirty="0" smtClean="0"/>
+              <a:t>를 받고 확인을 누르면</a:t>
+            </a:r>
+            <a:endParaRPr lang="en-US" altLang="ko-KR" sz="1100" dirty="0" smtClean="0"/>
+          </a:p>
+          <a:p>
+            <a:r>
+              <a:rPr lang="en-US" altLang="ko-KR" sz="1100" dirty="0"/>
+              <a:t> </a:t>
+            </a:r>
+            <a:r>
+              <a:rPr lang="en-US" altLang="ko-KR" sz="1100" dirty="0" smtClean="0"/>
+              <a:t> </a:t>
+            </a:r>
+            <a:r>
+              <a:rPr lang="ko-KR" altLang="en-US" sz="1100" dirty="0" smtClean="0"/>
+              <a:t>서버에 </a:t>
+            </a:r>
+            <a:r>
+              <a:rPr lang="ko-KR" altLang="en-US" sz="1100" dirty="0" err="1" smtClean="0"/>
+              <a:t>패킷</a:t>
+            </a:r>
+            <a:r>
+              <a:rPr lang="ko-KR" altLang="en-US" sz="1100" dirty="0" smtClean="0"/>
+              <a:t> 전송 및 </a:t>
+            </a:r>
+            <a:r>
+              <a:rPr lang="en-US" altLang="ko-KR" sz="1100" dirty="0" smtClean="0"/>
+              <a:t>DB or text</a:t>
+            </a:r>
+            <a:r>
+              <a:rPr lang="ko-KR" altLang="en-US" sz="1100" dirty="0" smtClean="0"/>
+              <a:t>에 저장</a:t>
+            </a:r>
+            <a:endParaRPr lang="en-US" altLang="ko-KR" sz="1100" dirty="0" smtClean="0"/>
+          </a:p>
+          <a:p>
+            <a:endParaRPr lang="en-US" altLang="ko-KR" sz="1100" dirty="0"/>
+          </a:p>
+          <a:p>
+            <a:r>
+              <a:rPr lang="en-US" altLang="ko-KR" sz="1100" dirty="0" smtClean="0"/>
+              <a:t>6. </a:t>
+            </a:r>
+            <a:r>
+              <a:rPr lang="ko-KR" altLang="en-US" sz="1100" dirty="0" smtClean="0"/>
+              <a:t>개발자 정보를 누르면 내 이름과 </a:t>
+            </a:r>
+            <a:r>
+              <a:rPr lang="en-US" altLang="ko-KR" sz="1100" dirty="0" smtClean="0"/>
+              <a:t>e-mail</a:t>
+            </a:r>
+            <a:r>
+              <a:rPr lang="ko-KR" altLang="en-US" sz="1100" dirty="0" smtClean="0"/>
+              <a:t>주소</a:t>
+            </a:r>
+            <a:endParaRPr lang="en-US" altLang="ko-KR" sz="1100" dirty="0" smtClean="0"/>
+          </a:p>
+          <a:p>
+            <a:r>
+              <a:rPr lang="en-US" altLang="ko-KR" sz="1100" dirty="0"/>
+              <a:t> </a:t>
+            </a:r>
+            <a:r>
+              <a:rPr lang="en-US" altLang="ko-KR" sz="1100" dirty="0" smtClean="0"/>
+              <a:t>  </a:t>
+            </a:r>
+            <a:r>
+              <a:rPr lang="ko-KR" altLang="en-US" sz="1100" dirty="0" smtClean="0"/>
+              <a:t>팝업을 띄운다</a:t>
+            </a:r>
+            <a:r>
+              <a:rPr lang="en-US" altLang="ko-KR" sz="1100" dirty="0" smtClean="0"/>
+              <a:t>. </a:t>
+            </a:r>
+            <a:r>
+              <a:rPr lang="ko-KR" altLang="en-US" sz="1100" dirty="0" smtClean="0"/>
+              <a:t>확인</a:t>
+            </a:r>
+            <a:r>
+              <a:rPr lang="en-US" altLang="ko-KR" sz="1100" dirty="0" smtClean="0"/>
+              <a:t>, </a:t>
+            </a:r>
+            <a:r>
+              <a:rPr lang="ko-KR" altLang="en-US" sz="1100" dirty="0" smtClean="0"/>
+              <a:t>버튼만 존재</a:t>
+            </a:r>
+            <a:r>
+              <a:rPr lang="en-US" altLang="ko-KR" sz="1100" dirty="0" smtClean="0"/>
+              <a:t>. </a:t>
+            </a:r>
+            <a:r>
+              <a:rPr lang="ko-KR" altLang="en-US" sz="1100" dirty="0" smtClean="0"/>
+              <a:t>확인 누르면     </a:t>
+            </a:r>
+            <a:endParaRPr lang="en-US" altLang="ko-KR" sz="1100" dirty="0" smtClean="0"/>
+          </a:p>
+          <a:p>
+            <a:r>
+              <a:rPr lang="en-US" altLang="ko-KR" sz="1100" dirty="0"/>
+              <a:t> </a:t>
+            </a:r>
+            <a:r>
+              <a:rPr lang="en-US" altLang="ko-KR" sz="1100" dirty="0" smtClean="0"/>
+              <a:t>  </a:t>
+            </a:r>
+            <a:r>
+              <a:rPr lang="ko-KR" altLang="en-US" sz="1100" dirty="0" smtClean="0"/>
+              <a:t>팝업을 내린다</a:t>
+            </a:r>
+            <a:r>
+              <a:rPr lang="en-US" altLang="ko-KR" sz="1100" dirty="0" smtClean="0"/>
+              <a:t>.</a:t>
+            </a:r>
+          </a:p>
+          <a:p>
+            <a:endParaRPr lang="ko-KR" altLang="en-US" sz="1100" dirty="0"/>
+          </a:p>
+        </p:txBody>
+      </p:sp>
+      <p:sp>
+        <p:nvSpPr>
+          <p:cNvPr id="9" name="직사각형 8"/>
+          <p:cNvSpPr/>
+          <p:nvPr/>
+        </p:nvSpPr>
+        <p:spPr>
+          <a:xfrm>
+            <a:off x="1547664" y="4005064"/>
+            <a:ext cx="1800200" cy="360040"/>
+          </a:xfrm>
+          <a:prstGeom prst="rect">
+            <a:avLst/>
+          </a:prstGeom>
+        </p:spPr>
+        <p:style>
+          <a:lnRef idx="2">
+            <a:schemeClr val="accent1">
+              <a:shade val="50000"/>
+            </a:schemeClr>
+          </a:lnRef>
+          <a:fillRef idx="1">
+            <a:schemeClr val="accent1"/>
+          </a:fillRef>
+          <a:effectRef idx="0">
+            <a:schemeClr val="accent1"/>
+          </a:effectRef>
+          <a:fontRef idx="minor">
+            <a:schemeClr val="lt1"/>
+          </a:fontRef>
+        </p:style>
+        <p:txBody>
+          <a:bodyPr rtlCol="0" anchor="ctr"/>
+          <a:lstStyle/>
+          <a:p>
+            <a:pPr algn="ctr"/>
+            <a:r>
+              <a:rPr lang="en-US" altLang="ko-KR" dirty="0" smtClean="0"/>
+              <a:t>LOG IN</a:t>
+            </a:r>
+          </a:p>
+        </p:txBody>
+      </p:sp>
+      <p:sp>
+        <p:nvSpPr>
+          <p:cNvPr id="10" name="TextBox 9"/>
+          <p:cNvSpPr txBox="1"/>
+          <p:nvPr/>
+        </p:nvSpPr>
+        <p:spPr>
+          <a:xfrm>
+            <a:off x="1763688" y="4365104"/>
+            <a:ext cx="1512168" cy="276999"/>
+          </a:xfrm>
+          <a:prstGeom prst="rect">
+            <a:avLst/>
+          </a:prstGeom>
+          <a:noFill/>
+        </p:spPr>
+        <p:txBody>
+          <a:bodyPr wrap="square" rtlCol="0">
+            <a:spAutoFit/>
+          </a:bodyPr>
+          <a:lstStyle/>
+          <a:p>
+            <a:pPr algn="ctr"/>
+            <a:r>
+              <a:rPr lang="en-US" altLang="ko-KR" sz="1200" dirty="0" smtClean="0">
+                <a:ln w="10160">
+                  <a:solidFill>
+                    <a:schemeClr val="accent1"/>
+                  </a:solidFill>
+                  <a:prstDash val="solid"/>
+                </a:ln>
+                <a:solidFill>
+                  <a:srgbClr val="FFFFFF"/>
+                </a:solidFill>
+                <a:effectLst>
+                  <a:outerShdw blurRad="38100" dist="32000" dir="5400000" algn="tl">
+                    <a:srgbClr val="000000">
+                      <a:alpha val="30000"/>
+                    </a:srgbClr>
+                  </a:outerShdw>
+                </a:effectLst>
+              </a:rPr>
+              <a:t>ID / </a:t>
+            </a:r>
+            <a:r>
+              <a:rPr lang="ko-KR" altLang="en-US" sz="1200" dirty="0" smtClean="0">
+                <a:ln w="10160">
+                  <a:solidFill>
+                    <a:schemeClr val="accent1"/>
+                  </a:solidFill>
+                  <a:prstDash val="solid"/>
+                </a:ln>
+                <a:solidFill>
+                  <a:srgbClr val="FFFFFF"/>
+                </a:solidFill>
+                <a:effectLst>
+                  <a:outerShdw blurRad="38100" dist="32000" dir="5400000" algn="tl">
+                    <a:srgbClr val="000000">
+                      <a:alpha val="30000"/>
+                    </a:srgbClr>
+                  </a:outerShdw>
+                </a:effectLst>
+              </a:rPr>
+              <a:t>비밀번호 찾기</a:t>
+            </a:r>
+            <a:endParaRPr lang="ko-KR" altLang="en-US" sz="1200" dirty="0">
+              <a:ln w="10160">
+                <a:solidFill>
+                  <a:schemeClr val="accent1"/>
+                </a:solidFill>
+                <a:prstDash val="solid"/>
+              </a:ln>
+              <a:solidFill>
+                <a:srgbClr val="FFFFFF"/>
+              </a:solidFill>
+              <a:effectLst>
+                <a:outerShdw blurRad="38100" dist="32000" dir="5400000" algn="tl">
+                  <a:srgbClr val="000000">
+                    <a:alpha val="30000"/>
+                  </a:srgbClr>
+                </a:outerShdw>
+              </a:effectLst>
+            </a:endParaRPr>
+          </a:p>
+        </p:txBody>
+      </p:sp>
+    </p:spTree>
+    <p:extLst>
+      <p:ext uri="{BB962C8B-B14F-4D97-AF65-F5344CB8AC3E}">
+        <p14:creationId xmlns:p14="http://schemas.microsoft.com/office/powerpoint/2010/main" val="851500666"/>
+      </p:ext>
+    </p:extLst>
+  </p:cSld>
+  <p:clrMapOvr>
+    <a:masterClrMapping/>
+  </p:clrMapOvr>
+</p:sld>
+</file>
+
+<file path=ppt/slides/slide5.xml><?xml version="1.0" encoding="utf-8"?>
+<p:sld xmlns:a="http://schemas.openxmlformats.org/drawingml/2006/main" xmlns:r="http://schemas.openxmlformats.org/officeDocument/2006/relationships" xmlns:p="http://schemas.openxmlformats.org/presentationml/2006/main">
+  <p:cSld>
+    <p:spTree>
+      <p:nvGrpSpPr>
+        <p:cNvPr id="1" name=""/>
+        <p:cNvGrpSpPr/>
+        <p:nvPr/>
+      </p:nvGrpSpPr>
+      <p:grpSpPr>
+        <a:xfrm>
+          <a:off x="0" y="0"/>
+          <a:ext cx="0" cy="0"/>
+          <a:chOff x="0" y="0"/>
+          <a:chExt cx="0" cy="0"/>
+        </a:xfrm>
+      </p:grpSpPr>
+      <p:sp>
+        <p:nvSpPr>
+          <p:cNvPr id="4" name="직사각형 3"/>
+          <p:cNvSpPr/>
+          <p:nvPr/>
+        </p:nvSpPr>
+        <p:spPr>
+          <a:xfrm>
+            <a:off x="493979" y="1286690"/>
+            <a:ext cx="3816424" cy="4392488"/>
+          </a:xfrm>
+          <a:prstGeom prst="rect">
+            <a:avLst/>
+          </a:prstGeom>
+          <a:solidFill>
+            <a:schemeClr val="accent6">
+              <a:lumMod val="20000"/>
+              <a:lumOff val="80000"/>
+            </a:schemeClr>
+          </a:solidFill>
+        </p:spPr>
+        <p:style>
+          <a:lnRef idx="2">
+            <a:schemeClr val="accent1">
+              <a:shade val="50000"/>
+            </a:schemeClr>
+          </a:lnRef>
+          <a:fillRef idx="1">
+            <a:schemeClr val="accent1"/>
+          </a:fillRef>
+          <a:effectRef idx="0">
+            <a:schemeClr val="accent1"/>
+          </a:effectRef>
+          <a:fontRef idx="minor">
+            <a:schemeClr val="lt1"/>
+          </a:fontRef>
+        </p:style>
+        <p:txBody>
+          <a:bodyPr rtlCol="0" anchor="ctr"/>
+          <a:lstStyle/>
+          <a:p>
+            <a:pPr algn="ctr"/>
+            <a:endParaRPr lang="ko-KR" altLang="en-US"/>
+          </a:p>
+        </p:txBody>
+      </p:sp>
+      <p:sp>
+        <p:nvSpPr>
           <p:cNvPr id="2" name="타원 1"/>
           <p:cNvSpPr/>
           <p:nvPr/>
@@ -5388,11 +6198,7 @@
             </a:r>
             <a:r>
               <a:rPr lang="ko-KR" altLang="en-US" sz="1100" dirty="0" smtClean="0"/>
-              <a:t>를 더블 클릭하면 </a:t>
-            </a:r>
-            <a:r>
-              <a:rPr lang="ko-KR" altLang="en-US" sz="1100" dirty="0" smtClean="0"/>
-              <a:t>메시지 </a:t>
+              <a:t>를 더블 클릭하면 메시지 </a:t>
             </a:r>
             <a:r>
               <a:rPr lang="en-US" altLang="ko-KR" sz="1100" dirty="0" smtClean="0"/>
@@ -5478,7 +6284,7 @@
 </p:sld>
 </file>
 
-<file path=ppt/slides/slide5.xml><?xml version="1.0" encoding="utf-8"?>
+<file path=ppt/slides/slide6.xml><?xml version="1.0" encoding="utf-8"?>
 <p:sld xmlns:a="http://schemas.openxmlformats.org/drawingml/2006/main" xmlns:r="http://schemas.openxmlformats.org/officeDocument/2006/relationships" xmlns:p="http://schemas.openxmlformats.org/presentationml/2006/main">
   <p:cSld>
     <p:spTree>
